--- a/IDL/Ch04/IDL_Ch04.pptx
+++ b/IDL/Ch04/IDL_Ch04.pptx
@@ -5,7 +5,7 @@
     <p:sldMasterId id="2147483648" r:id="rId1"/>
   </p:sldMasterIdLst>
   <p:notesMasterIdLst>
-    <p:notesMasterId r:id="rId13"/>
+    <p:notesMasterId r:id="rId17"/>
   </p:notesMasterIdLst>
   <p:sldIdLst>
     <p:sldId id="256" r:id="rId2"/>
@@ -19,6 +19,10 @@
     <p:sldId id="264" r:id="rId10"/>
     <p:sldId id="265" r:id="rId11"/>
     <p:sldId id="266" r:id="rId12"/>
+    <p:sldId id="267" r:id="rId13"/>
+    <p:sldId id="268" r:id="rId14"/>
+    <p:sldId id="269" r:id="rId15"/>
+    <p:sldId id="270" r:id="rId16"/>
   </p:sldIdLst>
   <p:sldSz cx="12192000" cy="6858000"/>
   <p:notesSz cx="6858000" cy="9144000"/>
@@ -207,7 +211,7 @@
           <a:p>
             <a:fld id="{E04BABFC-9D62-4713-B856-06A086A6DF96}" type="datetimeFigureOut">
               <a:rPr lang="ko-KR" altLang="en-US" smtClean="0"/>
-              <a:t>2021-04-08</a:t>
+              <a:t>2021-04-15</a:t>
             </a:fld>
             <a:endParaRPr lang="ko-KR" altLang="en-US"/>
           </a:p>
@@ -621,7 +625,7 @@
           <a:p>
             <a:fld id="{A18661D6-4B3F-4D5C-BD96-DBDABE68CE22}" type="datetime1">
               <a:rPr lang="ko-KR" altLang="en-US" smtClean="0"/>
-              <a:t>2021-04-08</a:t>
+              <a:t>2021-04-15</a:t>
             </a:fld>
             <a:endParaRPr lang="ko-KR" altLang="en-US"/>
           </a:p>
@@ -819,7 +823,7 @@
           <a:p>
             <a:fld id="{1112B40D-7912-4AD1-917B-F4EEB92E812D}" type="datetime1">
               <a:rPr lang="ko-KR" altLang="en-US" smtClean="0"/>
-              <a:t>2021-04-08</a:t>
+              <a:t>2021-04-15</a:t>
             </a:fld>
             <a:endParaRPr lang="ko-KR" altLang="en-US"/>
           </a:p>
@@ -1027,7 +1031,7 @@
           <a:p>
             <a:fld id="{8C23B8EF-E098-4A95-B844-F773976DBA9B}" type="datetime1">
               <a:rPr lang="ko-KR" altLang="en-US" smtClean="0"/>
-              <a:t>2021-04-08</a:t>
+              <a:t>2021-04-15</a:t>
             </a:fld>
             <a:endParaRPr lang="ko-KR" altLang="en-US"/>
           </a:p>
@@ -1225,7 +1229,7 @@
           <a:p>
             <a:fld id="{44FFD118-14A1-4338-9B72-89B28FAFB382}" type="datetime1">
               <a:rPr lang="ko-KR" altLang="en-US" smtClean="0"/>
-              <a:t>2021-04-08</a:t>
+              <a:t>2021-04-15</a:t>
             </a:fld>
             <a:endParaRPr lang="ko-KR" altLang="en-US"/>
           </a:p>
@@ -1500,7 +1504,7 @@
           <a:p>
             <a:fld id="{33346E20-3DB3-4F47-A952-06DF3AA9987B}" type="datetime1">
               <a:rPr lang="ko-KR" altLang="en-US" smtClean="0"/>
-              <a:t>2021-04-08</a:t>
+              <a:t>2021-04-15</a:t>
             </a:fld>
             <a:endParaRPr lang="ko-KR" altLang="en-US"/>
           </a:p>
@@ -1765,7 +1769,7 @@
           <a:p>
             <a:fld id="{67013253-8255-4304-AEFD-CA40CCF354FD}" type="datetime1">
               <a:rPr lang="ko-KR" altLang="en-US" smtClean="0"/>
-              <a:t>2021-04-08</a:t>
+              <a:t>2021-04-15</a:t>
             </a:fld>
             <a:endParaRPr lang="ko-KR" altLang="en-US"/>
           </a:p>
@@ -2177,7 +2181,7 @@
           <a:p>
             <a:fld id="{72CFBA9D-ACD7-4967-88AD-BCEF7191A02C}" type="datetime1">
               <a:rPr lang="ko-KR" altLang="en-US" smtClean="0"/>
-              <a:t>2021-04-08</a:t>
+              <a:t>2021-04-15</a:t>
             </a:fld>
             <a:endParaRPr lang="ko-KR" altLang="en-US"/>
           </a:p>
@@ -2318,7 +2322,7 @@
           <a:p>
             <a:fld id="{4701CF28-343B-4F58-B4B5-FD6C5D6D94EF}" type="datetime1">
               <a:rPr lang="ko-KR" altLang="en-US" smtClean="0"/>
-              <a:t>2021-04-08</a:t>
+              <a:t>2021-04-15</a:t>
             </a:fld>
             <a:endParaRPr lang="ko-KR" altLang="en-US"/>
           </a:p>
@@ -2431,7 +2435,7 @@
           <a:p>
             <a:fld id="{108F2CFD-01C0-41C3-9F83-EDDB3573C9B4}" type="datetime1">
               <a:rPr lang="ko-KR" altLang="en-US" smtClean="0"/>
-              <a:t>2021-04-08</a:t>
+              <a:t>2021-04-15</a:t>
             </a:fld>
             <a:endParaRPr lang="ko-KR" altLang="en-US"/>
           </a:p>
@@ -2742,7 +2746,7 @@
           <a:p>
             <a:fld id="{AA064BA5-70EF-4E81-B3C5-2B02A4A03783}" type="datetime1">
               <a:rPr lang="ko-KR" altLang="en-US" smtClean="0"/>
-              <a:t>2021-04-08</a:t>
+              <a:t>2021-04-15</a:t>
             </a:fld>
             <a:endParaRPr lang="ko-KR" altLang="en-US"/>
           </a:p>
@@ -3030,7 +3034,7 @@
           <a:p>
             <a:fld id="{4F156AE1-D0F3-4C3C-B131-37B473FE576D}" type="datetime1">
               <a:rPr lang="ko-KR" altLang="en-US" smtClean="0"/>
-              <a:t>2021-04-08</a:t>
+              <a:t>2021-04-15</a:t>
             </a:fld>
             <a:endParaRPr lang="ko-KR" altLang="en-US"/>
           </a:p>
@@ -3271,7 +3275,7 @@
           <a:p>
             <a:fld id="{43B63624-9E98-4922-A5EB-A6C08FD3C29D}" type="datetime1">
               <a:rPr lang="ko-KR" altLang="en-US" smtClean="0"/>
-              <a:t>2021-04-08</a:t>
+              <a:t>2021-04-15</a:t>
             </a:fld>
             <a:endParaRPr lang="ko-KR" altLang="en-US"/>
           </a:p>
@@ -3988,31 +3992,6 @@
       </p:sp>
       <p:sp>
         <p:nvSpPr>
-          <p:cNvPr id="3" name="내용 개체 틀 2">
-            <a:extLst>
-              <a:ext uri="{FF2B5EF4-FFF2-40B4-BE49-F238E27FC236}">
-                <a16:creationId xmlns:a16="http://schemas.microsoft.com/office/drawing/2014/main" id="{0BE152A1-A1C1-4EB1-9EAD-98A748B73AC3}"/>
-              </a:ext>
-            </a:extLst>
-          </p:cNvPr>
-          <p:cNvSpPr>
-            <a:spLocks noGrp="1"/>
-          </p:cNvSpPr>
-          <p:nvPr>
-            <p:ph idx="1"/>
-          </p:nvPr>
-        </p:nvSpPr>
-        <p:spPr/>
-        <p:txBody>
-          <a:bodyPr/>
-          <a:lstStyle/>
-          <a:p>
-            <a:endParaRPr lang="ko-KR" altLang="en-US"/>
-          </a:p>
-        </p:txBody>
-      </p:sp>
-      <p:sp>
-        <p:nvSpPr>
           <p:cNvPr id="4" name="슬라이드 번호 개체 틀 3">
             <a:extLst>
               <a:ext uri="{FF2B5EF4-FFF2-40B4-BE49-F238E27FC236}">
@@ -4040,10 +4019,2214 @@
           </a:p>
         </p:txBody>
       </p:sp>
+      <mc:AlternateContent xmlns:mc="http://schemas.openxmlformats.org/markup-compatibility/2006" xmlns:a14="http://schemas.microsoft.com/office/drawing/2010/main">
+        <mc:Choice Requires="a14">
+          <p:sp>
+            <p:nvSpPr>
+              <p:cNvPr id="7" name="TextBox 6">
+                <a:extLst>
+                  <a:ext uri="{FF2B5EF4-FFF2-40B4-BE49-F238E27FC236}">
+                    <a16:creationId xmlns:a16="http://schemas.microsoft.com/office/drawing/2014/main" id="{B004BDBE-6E9C-44D3-A7DD-0D609301B50C}"/>
+                  </a:ext>
+                </a:extLst>
+              </p:cNvPr>
+              <p:cNvSpPr txBox="1"/>
+              <p:nvPr/>
+            </p:nvSpPr>
+            <p:spPr>
+              <a:xfrm>
+                <a:off x="6690946" y="2921168"/>
+                <a:ext cx="3416256" cy="2246769"/>
+              </a:xfrm>
+              <a:prstGeom prst="rect">
+                <a:avLst/>
+              </a:prstGeom>
+              <a:noFill/>
+            </p:spPr>
+            <p:txBody>
+              <a:bodyPr wrap="none" rtlCol="0">
+                <a:spAutoFit/>
+              </a:bodyPr>
+              <a:lstStyle/>
+              <a:p>
+                <a:pPr/>
+                <a14:m>
+                  <m:oMathPara xmlns:m="http://schemas.openxmlformats.org/officeDocument/2006/math">
+                    <m:oMathParaPr>
+                      <m:jc m:val="centerGroup"/>
+                    </m:oMathParaPr>
+                    <m:oMath xmlns:m="http://schemas.openxmlformats.org/officeDocument/2006/math">
+                      <m:sSub>
+                        <m:sSubPr>
+                          <m:ctrlPr>
+                            <a:rPr lang="en-US" altLang="ko-KR" sz="2000" b="0" i="1" smtClean="0">
+                              <a:latin typeface="Cambria Math" panose="02040503050406030204" pitchFamily="18" charset="0"/>
+                            </a:rPr>
+                          </m:ctrlPr>
+                        </m:sSubPr>
+                        <m:e>
+                          <m:r>
+                            <a:rPr lang="en-US" altLang="ko-KR" sz="2000" b="0" i="1" smtClean="0">
+                              <a:latin typeface="Cambria Math" panose="02040503050406030204" pitchFamily="18" charset="0"/>
+                            </a:rPr>
+                            <m:t>𝑠</m:t>
+                          </m:r>
+                        </m:e>
+                        <m:sub>
+                          <m:r>
+                            <a:rPr lang="en-US" altLang="ko-KR" sz="2000" b="0" i="1" smtClean="0">
+                              <a:latin typeface="Cambria Math" panose="02040503050406030204" pitchFamily="18" charset="0"/>
+                            </a:rPr>
+                            <m:t>0</m:t>
+                          </m:r>
+                        </m:sub>
+                      </m:sSub>
+                      <m:r>
+                        <a:rPr lang="en-US" altLang="ko-KR" sz="2000" b="0" i="1" smtClean="0">
+                          <a:latin typeface="Cambria Math" panose="02040503050406030204" pitchFamily="18" charset="0"/>
+                        </a:rPr>
+                        <m:t>=0</m:t>
+                      </m:r>
+                    </m:oMath>
+                    <m:oMath xmlns:m="http://schemas.openxmlformats.org/officeDocument/2006/math">
+                      <m:sSub>
+                        <m:sSubPr>
+                          <m:ctrlPr>
+                            <a:rPr lang="en-US" altLang="ko-KR" sz="2000" b="0" i="1" smtClean="0">
+                              <a:latin typeface="Cambria Math" panose="02040503050406030204" pitchFamily="18" charset="0"/>
+                            </a:rPr>
+                          </m:ctrlPr>
+                        </m:sSubPr>
+                        <m:e>
+                          <m:r>
+                            <a:rPr lang="en-US" altLang="ko-KR" sz="2000" b="0" i="1" smtClean="0">
+                              <a:latin typeface="Cambria Math" panose="02040503050406030204" pitchFamily="18" charset="0"/>
+                            </a:rPr>
+                            <m:t>𝑠</m:t>
+                          </m:r>
+                        </m:e>
+                        <m:sub>
+                          <m:r>
+                            <a:rPr lang="en-US" altLang="ko-KR" sz="2000" b="0" i="1" smtClean="0">
+                              <a:latin typeface="Cambria Math" panose="02040503050406030204" pitchFamily="18" charset="0"/>
+                            </a:rPr>
+                            <m:t>𝑡</m:t>
+                          </m:r>
+                          <m:r>
+                            <a:rPr lang="en-US" altLang="ko-KR" sz="2000" b="0" i="1" smtClean="0">
+                              <a:latin typeface="Cambria Math" panose="02040503050406030204" pitchFamily="18" charset="0"/>
+                            </a:rPr>
+                            <m:t>+1</m:t>
+                          </m:r>
+                        </m:sub>
+                      </m:sSub>
+                      <m:r>
+                        <a:rPr lang="en-US" altLang="ko-KR" sz="2000" b="0" i="1" smtClean="0">
+                          <a:latin typeface="Cambria Math" panose="02040503050406030204" pitchFamily="18" charset="0"/>
+                        </a:rPr>
+                        <m:t>=</m:t>
+                      </m:r>
+                      <m:r>
+                        <a:rPr lang="en-US" altLang="ko-KR" sz="2000" b="0" i="1" smtClean="0">
+                          <a:latin typeface="Cambria Math" panose="02040503050406030204" pitchFamily="18" charset="0"/>
+                        </a:rPr>
+                        <m:t>𝜌</m:t>
+                      </m:r>
+                      <m:d>
+                        <m:dPr>
+                          <m:ctrlPr>
+                            <a:rPr lang="en-US" altLang="ko-KR" sz="2000" b="0" i="1" smtClean="0">
+                              <a:latin typeface="Cambria Math" panose="02040503050406030204" pitchFamily="18" charset="0"/>
+                            </a:rPr>
+                          </m:ctrlPr>
+                        </m:dPr>
+                        <m:e>
+                          <m:sSub>
+                            <m:sSubPr>
+                              <m:ctrlPr>
+                                <a:rPr lang="en-US" altLang="ko-KR" sz="2000" b="0" i="1" smtClean="0">
+                                  <a:latin typeface="Cambria Math" panose="02040503050406030204" pitchFamily="18" charset="0"/>
+                                </a:rPr>
+                              </m:ctrlPr>
+                            </m:sSubPr>
+                            <m:e>
+                              <m:r>
+                                <a:rPr lang="en-US" altLang="ko-KR" sz="2000" b="0" i="1" smtClean="0">
+                                  <a:latin typeface="Cambria Math" panose="02040503050406030204" pitchFamily="18" charset="0"/>
+                                </a:rPr>
+                                <m:t>𝑒</m:t>
+                              </m:r>
+                            </m:e>
+                            <m:sub>
+                              <m:r>
+                                <a:rPr lang="en-US" altLang="ko-KR" sz="2000" b="0" i="1" smtClean="0">
+                                  <a:latin typeface="Cambria Math" panose="02040503050406030204" pitchFamily="18" charset="0"/>
+                                </a:rPr>
+                                <m:t>𝑡</m:t>
+                              </m:r>
+                              <m:r>
+                                <a:rPr lang="en-US" altLang="ko-KR" sz="2000" b="0" i="1" smtClean="0">
+                                  <a:latin typeface="Cambria Math" panose="02040503050406030204" pitchFamily="18" charset="0"/>
+                                </a:rPr>
+                                <m:t>+1</m:t>
+                              </m:r>
+                            </m:sub>
+                          </m:sSub>
+                          <m:r>
+                            <a:rPr lang="en-US" altLang="ko-KR" sz="2000" b="0" i="1" smtClean="0">
+                              <a:latin typeface="Cambria Math" panose="02040503050406030204" pitchFamily="18" charset="0"/>
+                            </a:rPr>
+                            <m:t>⋅</m:t>
+                          </m:r>
+                          <m:sSub>
+                            <m:sSubPr>
+                              <m:ctrlPr>
+                                <a:rPr lang="en-US" altLang="ko-KR" sz="2000" b="0" i="1" smtClean="0">
+                                  <a:latin typeface="Cambria Math" panose="02040503050406030204" pitchFamily="18" charset="0"/>
+                                </a:rPr>
+                              </m:ctrlPr>
+                            </m:sSubPr>
+                            <m:e>
+                              <m:r>
+                                <a:rPr lang="en-US" altLang="ko-KR" sz="2000" b="0" i="1" smtClean="0">
+                                  <a:latin typeface="Cambria Math" panose="02040503050406030204" pitchFamily="18" charset="0"/>
+                                </a:rPr>
+                                <m:t>𝑠</m:t>
+                              </m:r>
+                            </m:e>
+                            <m:sub>
+                              <m:r>
+                                <a:rPr lang="en-US" altLang="ko-KR" sz="2000" b="0" i="1" smtClean="0">
+                                  <a:latin typeface="Cambria Math" panose="02040503050406030204" pitchFamily="18" charset="0"/>
+                                </a:rPr>
+                                <m:t>𝑡</m:t>
+                              </m:r>
+                            </m:sub>
+                          </m:sSub>
+                        </m:e>
+                      </m:d>
+                      <m:sSub>
+                        <m:sSubPr>
+                          <m:ctrlPr>
+                            <a:rPr lang="en-US" altLang="ko-KR" sz="2000" b="0" i="1" smtClean="0">
+                              <a:latin typeface="Cambria Math" panose="02040503050406030204" pitchFamily="18" charset="0"/>
+                            </a:rPr>
+                          </m:ctrlPr>
+                        </m:sSubPr>
+                        <m:e>
+                          <m:r>
+                            <a:rPr lang="en-US" altLang="ko-KR" sz="2000" b="0" i="1" smtClean="0">
+                              <a:latin typeface="Cambria Math" panose="02040503050406030204" pitchFamily="18" charset="0"/>
+                            </a:rPr>
+                            <m:t>𝑊</m:t>
+                          </m:r>
+                        </m:e>
+                        <m:sub>
+                          <m:r>
+                            <a:rPr lang="en-US" altLang="ko-KR" sz="2000" b="0" i="1" smtClean="0">
+                              <a:latin typeface="Cambria Math" panose="02040503050406030204" pitchFamily="18" charset="0"/>
+                            </a:rPr>
+                            <m:t>𝑟</m:t>
+                          </m:r>
+                        </m:sub>
+                      </m:sSub>
+                      <m:r>
+                        <a:rPr lang="en-US" altLang="ko-KR" sz="2000" b="0" i="1" smtClean="0">
+                          <a:latin typeface="Cambria Math" panose="02040503050406030204" pitchFamily="18" charset="0"/>
+                        </a:rPr>
+                        <m:t>+</m:t>
+                      </m:r>
+                      <m:sSub>
+                        <m:sSubPr>
+                          <m:ctrlPr>
+                            <a:rPr lang="en-US" altLang="ko-KR" sz="2000" b="0" i="1" smtClean="0">
+                              <a:latin typeface="Cambria Math" panose="02040503050406030204" pitchFamily="18" charset="0"/>
+                            </a:rPr>
+                          </m:ctrlPr>
+                        </m:sSubPr>
+                        <m:e>
+                          <m:r>
+                            <a:rPr lang="en-US" altLang="ko-KR" sz="2000" b="0" i="1" smtClean="0">
+                              <a:latin typeface="Cambria Math" panose="02040503050406030204" pitchFamily="18" charset="0"/>
+                            </a:rPr>
+                            <m:t>𝑏</m:t>
+                          </m:r>
+                        </m:e>
+                        <m:sub>
+                          <m:r>
+                            <a:rPr lang="en-US" altLang="ko-KR" sz="2000" b="0" i="1" smtClean="0">
+                              <a:latin typeface="Cambria Math" panose="02040503050406030204" pitchFamily="18" charset="0"/>
+                            </a:rPr>
+                            <m:t>𝑟</m:t>
+                          </m:r>
+                        </m:sub>
+                      </m:sSub>
+                    </m:oMath>
+                    <m:oMath xmlns:m="http://schemas.openxmlformats.org/officeDocument/2006/math">
+                      <m:r>
+                        <a:rPr lang="en-US" altLang="ko-KR" sz="2000" b="0" i="1" smtClean="0">
+                          <a:latin typeface="Cambria Math" panose="02040503050406030204" pitchFamily="18" charset="0"/>
+                        </a:rPr>
+                        <m:t>𝑜</m:t>
+                      </m:r>
+                      <m:r>
+                        <a:rPr lang="en-US" altLang="ko-KR" sz="2000" b="0" i="1" smtClean="0">
+                          <a:latin typeface="Cambria Math" panose="02040503050406030204" pitchFamily="18" charset="0"/>
+                        </a:rPr>
+                        <m:t>=</m:t>
+                      </m:r>
+                      <m:r>
+                        <a:rPr lang="en-US" altLang="ko-KR" sz="2000" b="0" i="1" smtClean="0">
+                          <a:latin typeface="Cambria Math" panose="02040503050406030204" pitchFamily="18" charset="0"/>
+                        </a:rPr>
+                        <m:t>𝜎</m:t>
+                      </m:r>
+                      <m:r>
+                        <a:rPr lang="en-US" altLang="ko-KR" sz="2000" b="0" i="1" smtClean="0">
+                          <a:latin typeface="Cambria Math" panose="02040503050406030204" pitchFamily="18" charset="0"/>
+                        </a:rPr>
+                        <m:t>(</m:t>
+                      </m:r>
+                      <m:sSub>
+                        <m:sSubPr>
+                          <m:ctrlPr>
+                            <a:rPr lang="en-US" altLang="ko-KR" sz="2000" b="0" i="1" smtClean="0">
+                              <a:latin typeface="Cambria Math" panose="02040503050406030204" pitchFamily="18" charset="0"/>
+                            </a:rPr>
+                          </m:ctrlPr>
+                        </m:sSubPr>
+                        <m:e>
+                          <m:r>
+                            <a:rPr lang="en-US" altLang="ko-KR" sz="2000" b="0" i="1" smtClean="0">
+                              <a:latin typeface="Cambria Math" panose="02040503050406030204" pitchFamily="18" charset="0"/>
+                            </a:rPr>
+                            <m:t>𝑠</m:t>
+                          </m:r>
+                        </m:e>
+                        <m:sub>
+                          <m:r>
+                            <a:rPr lang="en-US" altLang="ko-KR" sz="2000" b="0" i="1" smtClean="0">
+                              <a:latin typeface="Cambria Math" panose="02040503050406030204" pitchFamily="18" charset="0"/>
+                            </a:rPr>
+                            <m:t>𝑡</m:t>
+                          </m:r>
+                          <m:r>
+                            <a:rPr lang="en-US" altLang="ko-KR" sz="2000" b="0" i="1" smtClean="0">
+                              <a:latin typeface="Cambria Math" panose="02040503050406030204" pitchFamily="18" charset="0"/>
+                            </a:rPr>
+                            <m:t>+1</m:t>
+                          </m:r>
+                        </m:sub>
+                      </m:sSub>
+                      <m:sSub>
+                        <m:sSubPr>
+                          <m:ctrlPr>
+                            <a:rPr lang="en-US" altLang="ko-KR" sz="2000" b="0" i="1" smtClean="0">
+                              <a:latin typeface="Cambria Math" panose="02040503050406030204" pitchFamily="18" charset="0"/>
+                            </a:rPr>
+                          </m:ctrlPr>
+                        </m:sSubPr>
+                        <m:e>
+                          <m:r>
+                            <a:rPr lang="en-US" altLang="ko-KR" sz="2000" b="0" i="1" smtClean="0">
+                              <a:latin typeface="Cambria Math" panose="02040503050406030204" pitchFamily="18" charset="0"/>
+                            </a:rPr>
+                            <m:t>𝑊</m:t>
+                          </m:r>
+                        </m:e>
+                        <m:sub>
+                          <m:r>
+                            <a:rPr lang="en-US" altLang="ko-KR" sz="2000" b="0" i="1" smtClean="0">
+                              <a:latin typeface="Cambria Math" panose="02040503050406030204" pitchFamily="18" charset="0"/>
+                            </a:rPr>
+                            <m:t>0</m:t>
+                          </m:r>
+                        </m:sub>
+                      </m:sSub>
+                      <m:r>
+                        <a:rPr lang="en-US" altLang="ko-KR" sz="2000" b="0" i="1" smtClean="0">
+                          <a:latin typeface="Cambria Math" panose="02040503050406030204" pitchFamily="18" charset="0"/>
+                        </a:rPr>
+                        <m:t>+</m:t>
+                      </m:r>
+                      <m:sSub>
+                        <m:sSubPr>
+                          <m:ctrlPr>
+                            <a:rPr lang="en-US" altLang="ko-KR" sz="2000" b="0" i="1" smtClean="0">
+                              <a:latin typeface="Cambria Math" panose="02040503050406030204" pitchFamily="18" charset="0"/>
+                            </a:rPr>
+                          </m:ctrlPr>
+                        </m:sSubPr>
+                        <m:e>
+                          <m:r>
+                            <a:rPr lang="en-US" altLang="ko-KR" sz="2000" b="0" i="1" smtClean="0">
+                              <a:latin typeface="Cambria Math" panose="02040503050406030204" pitchFamily="18" charset="0"/>
+                            </a:rPr>
+                            <m:t>𝑏</m:t>
+                          </m:r>
+                        </m:e>
+                        <m:sub>
+                          <m:r>
+                            <a:rPr lang="en-US" altLang="ko-KR" sz="2000" b="0" i="1" smtClean="0">
+                              <a:latin typeface="Cambria Math" panose="02040503050406030204" pitchFamily="18" charset="0"/>
+                            </a:rPr>
+                            <m:t>0</m:t>
+                          </m:r>
+                        </m:sub>
+                      </m:sSub>
+                      <m:r>
+                        <a:rPr lang="en-US" altLang="ko-KR" sz="2000" b="0" i="1" smtClean="0">
+                          <a:latin typeface="Cambria Math" panose="02040503050406030204" pitchFamily="18" charset="0"/>
+                        </a:rPr>
+                        <m:t>)</m:t>
+                      </m:r>
+                    </m:oMath>
+                  </m:oMathPara>
+                </a14:m>
+                <a:endParaRPr lang="en-US" altLang="ko-KR" sz="2000" dirty="0"/>
+              </a:p>
+              <a:p>
+                <a:endParaRPr lang="en-US" altLang="ko-KR" sz="2000" dirty="0"/>
+              </a:p>
+              <a:p>
+                <a:r>
+                  <a:rPr lang="en-US" altLang="ko-KR" sz="2000" b="0" dirty="0"/>
+                  <a:t>  </a:t>
+                </a:r>
+                <a14:m>
+                  <m:oMath xmlns:m="http://schemas.openxmlformats.org/officeDocument/2006/math">
+                    <m:r>
+                      <a:rPr lang="en-US" altLang="ko-KR" sz="2000" b="0" i="1" smtClean="0">
+                        <a:latin typeface="Cambria Math" panose="02040503050406030204" pitchFamily="18" charset="0"/>
+                      </a:rPr>
+                      <m:t>𝜌</m:t>
+                    </m:r>
+                  </m:oMath>
+                </a14:m>
+                <a:r>
+                  <a:rPr lang="en-US" altLang="ko-KR" sz="2000" dirty="0"/>
+                  <a:t>: relu</a:t>
+                </a:r>
+              </a:p>
+              <a:p>
+                <a:r>
+                  <a:rPr lang="en-US" altLang="ko-KR" sz="2000" b="0" dirty="0"/>
+                  <a:t>  </a:t>
+                </a:r>
+                <a14:m>
+                  <m:oMath xmlns:m="http://schemas.openxmlformats.org/officeDocument/2006/math">
+                    <m:r>
+                      <a:rPr lang="en-US" altLang="ko-KR" sz="2000" b="0" i="1" smtClean="0">
+                        <a:latin typeface="Cambria Math" panose="02040503050406030204" pitchFamily="18" charset="0"/>
+                      </a:rPr>
+                      <m:t>𝜎</m:t>
+                    </m:r>
+                  </m:oMath>
+                </a14:m>
+                <a:r>
+                  <a:rPr lang="en-US" altLang="ko-KR" sz="2000" dirty="0"/>
+                  <a:t>: cross-entropy</a:t>
+                </a:r>
+              </a:p>
+              <a:p>
+                <a:r>
+                  <a:rPr lang="en-US" altLang="ko-KR" sz="2000" b="0" dirty="0"/>
+                  <a:t>  </a:t>
+                </a:r>
+                <a14:m>
+                  <m:oMath xmlns:m="http://schemas.openxmlformats.org/officeDocument/2006/math">
+                    <m:r>
+                      <a:rPr lang="en-US" altLang="ko-KR" sz="2000" b="0" i="1" smtClean="0">
+                        <a:latin typeface="Cambria Math" panose="02040503050406030204" pitchFamily="18" charset="0"/>
+                      </a:rPr>
+                      <m:t>⋅ </m:t>
+                    </m:r>
+                  </m:oMath>
+                </a14:m>
+                <a:r>
+                  <a:rPr lang="en-US" altLang="ko-KR" sz="2000" dirty="0"/>
+                  <a:t>: concatenation</a:t>
+                </a:r>
+                <a:endParaRPr lang="ko-KR" altLang="en-US" sz="2000" dirty="0"/>
+              </a:p>
+            </p:txBody>
+          </p:sp>
+        </mc:Choice>
+        <mc:Fallback xmlns="">
+          <p:sp>
+            <p:nvSpPr>
+              <p:cNvPr id="7" name="TextBox 6">
+                <a:extLst>
+                  <a:ext uri="{FF2B5EF4-FFF2-40B4-BE49-F238E27FC236}">
+                    <a16:creationId xmlns:a16="http://schemas.microsoft.com/office/drawing/2014/main" id="{B004BDBE-6E9C-44D3-A7DD-0D609301B50C}"/>
+                  </a:ext>
+                </a:extLst>
+              </p:cNvPr>
+              <p:cNvSpPr txBox="1">
+                <a:spLocks noRot="1" noChangeAspect="1" noMove="1" noResize="1" noEditPoints="1" noAdjustHandles="1" noChangeArrowheads="1" noChangeShapeType="1" noTextEdit="1"/>
+              </p:cNvSpPr>
+              <p:nvPr/>
+            </p:nvSpPr>
+            <p:spPr>
+              <a:xfrm>
+                <a:off x="6690946" y="2921168"/>
+                <a:ext cx="3416256" cy="2246769"/>
+              </a:xfrm>
+              <a:prstGeom prst="rect">
+                <a:avLst/>
+              </a:prstGeom>
+              <a:blipFill>
+                <a:blip r:embed="rId2"/>
+                <a:stretch>
+                  <a:fillRect b="-3794"/>
+                </a:stretch>
+              </a:blipFill>
+            </p:spPr>
+            <p:txBody>
+              <a:bodyPr/>
+              <a:lstStyle/>
+              <a:p>
+                <a:r>
+                  <a:rPr lang="ko-KR" altLang="en-US">
+                    <a:noFill/>
+                  </a:rPr>
+                  <a:t> </a:t>
+                </a:r>
+              </a:p>
+            </p:txBody>
+          </p:sp>
+        </mc:Fallback>
+      </mc:AlternateContent>
+      <p:pic>
+        <p:nvPicPr>
+          <p:cNvPr id="11" name="그림 10">
+            <a:extLst>
+              <a:ext uri="{FF2B5EF4-FFF2-40B4-BE49-F238E27FC236}">
+                <a16:creationId xmlns:a16="http://schemas.microsoft.com/office/drawing/2014/main" id="{8A0EA2CA-CBD1-496E-9A8E-B37489411492}"/>
+              </a:ext>
+            </a:extLst>
+          </p:cNvPr>
+          <p:cNvPicPr>
+            <a:picLocks noChangeAspect="1"/>
+          </p:cNvPicPr>
+          <p:nvPr/>
+        </p:nvPicPr>
+        <p:blipFill>
+          <a:blip r:embed="rId3"/>
+          <a:stretch>
+            <a:fillRect/>
+          </a:stretch>
+        </p:blipFill>
+        <p:spPr>
+          <a:xfrm>
+            <a:off x="1200740" y="1727688"/>
+            <a:ext cx="4676775" cy="4019550"/>
+          </a:xfrm>
+          <a:prstGeom prst="rect">
+            <a:avLst/>
+          </a:prstGeom>
+        </p:spPr>
+      </p:pic>
+      <p:sp>
+        <p:nvSpPr>
+          <p:cNvPr id="6" name="TextBox 5">
+            <a:extLst>
+              <a:ext uri="{FF2B5EF4-FFF2-40B4-BE49-F238E27FC236}">
+                <a16:creationId xmlns:a16="http://schemas.microsoft.com/office/drawing/2014/main" id="{C984207D-A03F-4979-B8E2-677F0E7D0818}"/>
+              </a:ext>
+            </a:extLst>
+          </p:cNvPr>
+          <p:cNvSpPr txBox="1"/>
+          <p:nvPr/>
+        </p:nvSpPr>
+        <p:spPr>
+          <a:xfrm>
+            <a:off x="2206869" y="5784239"/>
+            <a:ext cx="3343351" cy="369332"/>
+          </a:xfrm>
+          <a:prstGeom prst="rect">
+            <a:avLst/>
+          </a:prstGeom>
+          <a:noFill/>
+        </p:spPr>
+        <p:txBody>
+          <a:bodyPr wrap="none" rtlCol="0">
+            <a:spAutoFit/>
+          </a:bodyPr>
+          <a:lstStyle/>
+          <a:p>
+            <a:r>
+              <a:rPr lang="en-US" altLang="ko-KR" dirty="0"/>
+              <a:t>RNN(recurrent neural network</a:t>
+            </a:r>
+            <a:endParaRPr lang="ko-KR" altLang="en-US" dirty="0"/>
+          </a:p>
+        </p:txBody>
+      </p:sp>
+      <mc:AlternateContent xmlns:mc="http://schemas.openxmlformats.org/markup-compatibility/2006" xmlns:a14="http://schemas.microsoft.com/office/drawing/2010/main">
+        <mc:Choice Requires="a14">
+          <p:sp>
+            <p:nvSpPr>
+              <p:cNvPr id="8" name="TextBox 7">
+                <a:extLst>
+                  <a:ext uri="{FF2B5EF4-FFF2-40B4-BE49-F238E27FC236}">
+                    <a16:creationId xmlns:a16="http://schemas.microsoft.com/office/drawing/2014/main" id="{2EEDE4B3-AE29-4A8B-B00B-87C0D1B2E2EC}"/>
+                  </a:ext>
+                </a:extLst>
+              </p:cNvPr>
+              <p:cNvSpPr txBox="1"/>
+              <p:nvPr/>
+            </p:nvSpPr>
+            <p:spPr>
+              <a:xfrm>
+                <a:off x="3267330" y="5255860"/>
+                <a:ext cx="680892" cy="369332"/>
+              </a:xfrm>
+              <a:prstGeom prst="rect">
+                <a:avLst/>
+              </a:prstGeom>
+              <a:noFill/>
+              <a:ln w="12700">
+                <a:solidFill>
+                  <a:schemeClr val="tx1"/>
+                </a:solidFill>
+              </a:ln>
+            </p:spPr>
+            <p:txBody>
+              <a:bodyPr wrap="none" rtlCol="0">
+                <a:spAutoFit/>
+              </a:bodyPr>
+              <a:lstStyle/>
+              <a:p>
+                <a:pPr/>
+                <a14:m>
+                  <m:oMathPara xmlns:m="http://schemas.openxmlformats.org/officeDocument/2006/math">
+                    <m:oMathParaPr>
+                      <m:jc m:val="centerGroup"/>
+                    </m:oMathParaPr>
+                    <m:oMath xmlns:m="http://schemas.openxmlformats.org/officeDocument/2006/math">
+                      <m:sSub>
+                        <m:sSubPr>
+                          <m:ctrlPr>
+                            <a:rPr lang="en-US" altLang="ko-KR" b="0" i="1" smtClean="0">
+                              <a:latin typeface="Cambria Math" panose="02040503050406030204" pitchFamily="18" charset="0"/>
+                            </a:rPr>
+                          </m:ctrlPr>
+                        </m:sSubPr>
+                        <m:e>
+                          <m:r>
+                            <a:rPr lang="en-US" altLang="ko-KR" b="0" i="1" smtClean="0">
+                              <a:latin typeface="Cambria Math" panose="02040503050406030204" pitchFamily="18" charset="0"/>
+                            </a:rPr>
+                            <m:t>𝑒</m:t>
+                          </m:r>
+                        </m:e>
+                        <m:sub>
+                          <m:r>
+                            <a:rPr lang="en-US" altLang="ko-KR" b="0" i="1" smtClean="0">
+                              <a:latin typeface="Cambria Math" panose="02040503050406030204" pitchFamily="18" charset="0"/>
+                            </a:rPr>
+                            <m:t>𝑡</m:t>
+                          </m:r>
+                          <m:r>
+                            <a:rPr lang="en-US" altLang="ko-KR" b="0" i="1" smtClean="0">
+                              <a:latin typeface="Cambria Math" panose="02040503050406030204" pitchFamily="18" charset="0"/>
+                            </a:rPr>
+                            <m:t>+1</m:t>
+                          </m:r>
+                        </m:sub>
+                      </m:sSub>
+                    </m:oMath>
+                  </m:oMathPara>
+                </a14:m>
+                <a:endParaRPr lang="ko-KR" altLang="en-US" dirty="0"/>
+              </a:p>
+            </p:txBody>
+          </p:sp>
+        </mc:Choice>
+        <mc:Fallback xmlns="">
+          <p:sp>
+            <p:nvSpPr>
+              <p:cNvPr id="8" name="TextBox 7">
+                <a:extLst>
+                  <a:ext uri="{FF2B5EF4-FFF2-40B4-BE49-F238E27FC236}">
+                    <a16:creationId xmlns:a16="http://schemas.microsoft.com/office/drawing/2014/main" id="{2EEDE4B3-AE29-4A8B-B00B-87C0D1B2E2EC}"/>
+                  </a:ext>
+                </a:extLst>
+              </p:cNvPr>
+              <p:cNvSpPr txBox="1">
+                <a:spLocks noRot="1" noChangeAspect="1" noMove="1" noResize="1" noEditPoints="1" noAdjustHandles="1" noChangeArrowheads="1" noChangeShapeType="1" noTextEdit="1"/>
+              </p:cNvSpPr>
+              <p:nvPr/>
+            </p:nvSpPr>
+            <p:spPr>
+              <a:xfrm>
+                <a:off x="3267330" y="5255860"/>
+                <a:ext cx="680892" cy="369332"/>
+              </a:xfrm>
+              <a:prstGeom prst="rect">
+                <a:avLst/>
+              </a:prstGeom>
+              <a:blipFill>
+                <a:blip r:embed="rId4"/>
+                <a:stretch>
+                  <a:fillRect/>
+                </a:stretch>
+              </a:blipFill>
+              <a:ln w="12700">
+                <a:solidFill>
+                  <a:schemeClr val="tx1"/>
+                </a:solidFill>
+              </a:ln>
+            </p:spPr>
+            <p:txBody>
+              <a:bodyPr/>
+              <a:lstStyle/>
+              <a:p>
+                <a:r>
+                  <a:rPr lang="ko-KR" altLang="en-US">
+                    <a:noFill/>
+                  </a:rPr>
+                  <a:t> </a:t>
+                </a:r>
+              </a:p>
+            </p:txBody>
+          </p:sp>
+        </mc:Fallback>
+      </mc:AlternateContent>
+      <mc:AlternateContent xmlns:mc="http://schemas.openxmlformats.org/markup-compatibility/2006" xmlns:a14="http://schemas.microsoft.com/office/drawing/2010/main">
+        <mc:Choice Requires="a14">
+          <p:sp>
+            <p:nvSpPr>
+              <p:cNvPr id="9" name="TextBox 8">
+                <a:extLst>
+                  <a:ext uri="{FF2B5EF4-FFF2-40B4-BE49-F238E27FC236}">
+                    <a16:creationId xmlns:a16="http://schemas.microsoft.com/office/drawing/2014/main" id="{400B830C-53A3-4D86-BBB0-5FBF8EB244B0}"/>
+                  </a:ext>
+                </a:extLst>
+              </p:cNvPr>
+              <p:cNvSpPr txBox="1"/>
+              <p:nvPr/>
+            </p:nvSpPr>
+            <p:spPr>
+              <a:xfrm>
+                <a:off x="1664628" y="3469611"/>
+                <a:ext cx="455959" cy="369332"/>
+              </a:xfrm>
+              <a:prstGeom prst="rect">
+                <a:avLst/>
+              </a:prstGeom>
+              <a:noFill/>
+              <a:ln w="12700">
+                <a:solidFill>
+                  <a:schemeClr val="tx1"/>
+                </a:solidFill>
+              </a:ln>
+            </p:spPr>
+            <p:txBody>
+              <a:bodyPr wrap="none" rtlCol="0">
+                <a:spAutoFit/>
+              </a:bodyPr>
+              <a:lstStyle/>
+              <a:p>
+                <a:pPr/>
+                <a14:m>
+                  <m:oMathPara xmlns:m="http://schemas.openxmlformats.org/officeDocument/2006/math">
+                    <m:oMathParaPr>
+                      <m:jc m:val="centerGroup"/>
+                    </m:oMathParaPr>
+                    <m:oMath xmlns:m="http://schemas.openxmlformats.org/officeDocument/2006/math">
+                      <m:sSub>
+                        <m:sSubPr>
+                          <m:ctrlPr>
+                            <a:rPr lang="en-US" altLang="ko-KR" b="0" i="1" smtClean="0">
+                              <a:latin typeface="Cambria Math" panose="02040503050406030204" pitchFamily="18" charset="0"/>
+                            </a:rPr>
+                          </m:ctrlPr>
+                        </m:sSubPr>
+                        <m:e>
+                          <m:r>
+                            <a:rPr lang="en-US" altLang="ko-KR" b="0" i="1" smtClean="0">
+                              <a:latin typeface="Cambria Math" panose="02040503050406030204" pitchFamily="18" charset="0"/>
+                            </a:rPr>
+                            <m:t>𝑠</m:t>
+                          </m:r>
+                        </m:e>
+                        <m:sub>
+                          <m:r>
+                            <a:rPr lang="en-US" altLang="ko-KR" b="0" i="1" smtClean="0">
+                              <a:latin typeface="Cambria Math" panose="02040503050406030204" pitchFamily="18" charset="0"/>
+                            </a:rPr>
+                            <m:t>𝑡</m:t>
+                          </m:r>
+                        </m:sub>
+                      </m:sSub>
+                    </m:oMath>
+                  </m:oMathPara>
+                </a14:m>
+                <a:endParaRPr lang="ko-KR" altLang="en-US" dirty="0"/>
+              </a:p>
+            </p:txBody>
+          </p:sp>
+        </mc:Choice>
+        <mc:Fallback xmlns="">
+          <p:sp>
+            <p:nvSpPr>
+              <p:cNvPr id="9" name="TextBox 8">
+                <a:extLst>
+                  <a:ext uri="{FF2B5EF4-FFF2-40B4-BE49-F238E27FC236}">
+                    <a16:creationId xmlns:a16="http://schemas.microsoft.com/office/drawing/2014/main" id="{400B830C-53A3-4D86-BBB0-5FBF8EB244B0}"/>
+                  </a:ext>
+                </a:extLst>
+              </p:cNvPr>
+              <p:cNvSpPr txBox="1">
+                <a:spLocks noRot="1" noChangeAspect="1" noMove="1" noResize="1" noEditPoints="1" noAdjustHandles="1" noChangeArrowheads="1" noChangeShapeType="1" noTextEdit="1"/>
+              </p:cNvSpPr>
+              <p:nvPr/>
+            </p:nvSpPr>
+            <p:spPr>
+              <a:xfrm>
+                <a:off x="1664628" y="3469611"/>
+                <a:ext cx="455959" cy="369332"/>
+              </a:xfrm>
+              <a:prstGeom prst="rect">
+                <a:avLst/>
+              </a:prstGeom>
+              <a:blipFill>
+                <a:blip r:embed="rId5"/>
+                <a:stretch>
+                  <a:fillRect/>
+                </a:stretch>
+              </a:blipFill>
+              <a:ln w="12700">
+                <a:solidFill>
+                  <a:schemeClr val="tx1"/>
+                </a:solidFill>
+              </a:ln>
+            </p:spPr>
+            <p:txBody>
+              <a:bodyPr/>
+              <a:lstStyle/>
+              <a:p>
+                <a:r>
+                  <a:rPr lang="ko-KR" altLang="en-US">
+                    <a:noFill/>
+                  </a:rPr>
+                  <a:t> </a:t>
+                </a:r>
+              </a:p>
+            </p:txBody>
+          </p:sp>
+        </mc:Fallback>
+      </mc:AlternateContent>
+      <mc:AlternateContent xmlns:mc="http://schemas.openxmlformats.org/markup-compatibility/2006" xmlns:a14="http://schemas.microsoft.com/office/drawing/2010/main">
+        <mc:Choice Requires="a14">
+          <p:sp>
+            <p:nvSpPr>
+              <p:cNvPr id="10" name="TextBox 9">
+                <a:extLst>
+                  <a:ext uri="{FF2B5EF4-FFF2-40B4-BE49-F238E27FC236}">
+                    <a16:creationId xmlns:a16="http://schemas.microsoft.com/office/drawing/2014/main" id="{6A3A759E-C9AA-4539-86E8-09B4B0ED2E48}"/>
+                  </a:ext>
+                </a:extLst>
+              </p:cNvPr>
+              <p:cNvSpPr txBox="1"/>
+              <p:nvPr/>
+            </p:nvSpPr>
+            <p:spPr>
+              <a:xfrm>
+                <a:off x="4523417" y="4413884"/>
+                <a:ext cx="675570" cy="369332"/>
+              </a:xfrm>
+              <a:prstGeom prst="rect">
+                <a:avLst/>
+              </a:prstGeom>
+              <a:noFill/>
+              <a:ln w="12700">
+                <a:solidFill>
+                  <a:schemeClr val="tx1"/>
+                </a:solidFill>
+              </a:ln>
+            </p:spPr>
+            <p:txBody>
+              <a:bodyPr wrap="none" rtlCol="0">
+                <a:spAutoFit/>
+              </a:bodyPr>
+              <a:lstStyle/>
+              <a:p>
+                <a:pPr/>
+                <a14:m>
+                  <m:oMathPara xmlns:m="http://schemas.openxmlformats.org/officeDocument/2006/math">
+                    <m:oMathParaPr>
+                      <m:jc m:val="centerGroup"/>
+                    </m:oMathParaPr>
+                    <m:oMath xmlns:m="http://schemas.openxmlformats.org/officeDocument/2006/math">
+                      <m:sSub>
+                        <m:sSubPr>
+                          <m:ctrlPr>
+                            <a:rPr lang="en-US" altLang="ko-KR" b="0" i="1" smtClean="0">
+                              <a:latin typeface="Cambria Math" panose="02040503050406030204" pitchFamily="18" charset="0"/>
+                            </a:rPr>
+                          </m:ctrlPr>
+                        </m:sSubPr>
+                        <m:e>
+                          <m:r>
+                            <a:rPr lang="en-US" altLang="ko-KR" b="0" i="1" smtClean="0">
+                              <a:latin typeface="Cambria Math" panose="02040503050406030204" pitchFamily="18" charset="0"/>
+                            </a:rPr>
+                            <m:t>𝑠</m:t>
+                          </m:r>
+                        </m:e>
+                        <m:sub>
+                          <m:r>
+                            <a:rPr lang="en-US" altLang="ko-KR" b="0" i="1" smtClean="0">
+                              <a:latin typeface="Cambria Math" panose="02040503050406030204" pitchFamily="18" charset="0"/>
+                            </a:rPr>
+                            <m:t>𝑡</m:t>
+                          </m:r>
+                          <m:r>
+                            <a:rPr lang="en-US" altLang="ko-KR" b="0" i="1" smtClean="0">
+                              <a:latin typeface="Cambria Math" panose="02040503050406030204" pitchFamily="18" charset="0"/>
+                            </a:rPr>
+                            <m:t>+1</m:t>
+                          </m:r>
+                        </m:sub>
+                      </m:sSub>
+                    </m:oMath>
+                  </m:oMathPara>
+                </a14:m>
+                <a:endParaRPr lang="ko-KR" altLang="en-US" dirty="0"/>
+              </a:p>
+            </p:txBody>
+          </p:sp>
+        </mc:Choice>
+        <mc:Fallback xmlns="">
+          <p:sp>
+            <p:nvSpPr>
+              <p:cNvPr id="10" name="TextBox 9">
+                <a:extLst>
+                  <a:ext uri="{FF2B5EF4-FFF2-40B4-BE49-F238E27FC236}">
+                    <a16:creationId xmlns:a16="http://schemas.microsoft.com/office/drawing/2014/main" id="{6A3A759E-C9AA-4539-86E8-09B4B0ED2E48}"/>
+                  </a:ext>
+                </a:extLst>
+              </p:cNvPr>
+              <p:cNvSpPr txBox="1">
+                <a:spLocks noRot="1" noChangeAspect="1" noMove="1" noResize="1" noEditPoints="1" noAdjustHandles="1" noChangeArrowheads="1" noChangeShapeType="1" noTextEdit="1"/>
+              </p:cNvSpPr>
+              <p:nvPr/>
+            </p:nvSpPr>
+            <p:spPr>
+              <a:xfrm>
+                <a:off x="4523417" y="4413884"/>
+                <a:ext cx="675570" cy="369332"/>
+              </a:xfrm>
+              <a:prstGeom prst="rect">
+                <a:avLst/>
+              </a:prstGeom>
+              <a:blipFill>
+                <a:blip r:embed="rId6"/>
+                <a:stretch>
+                  <a:fillRect/>
+                </a:stretch>
+              </a:blipFill>
+              <a:ln w="12700">
+                <a:solidFill>
+                  <a:schemeClr val="tx1"/>
+                </a:solidFill>
+              </a:ln>
+            </p:spPr>
+            <p:txBody>
+              <a:bodyPr/>
+              <a:lstStyle/>
+              <a:p>
+                <a:r>
+                  <a:rPr lang="ko-KR" altLang="en-US">
+                    <a:noFill/>
+                  </a:rPr>
+                  <a:t> </a:t>
+                </a:r>
+              </a:p>
+            </p:txBody>
+          </p:sp>
+        </mc:Fallback>
+      </mc:AlternateContent>
+      <mc:AlternateContent xmlns:mc="http://schemas.openxmlformats.org/markup-compatibility/2006" xmlns:a14="http://schemas.microsoft.com/office/drawing/2010/main">
+        <mc:Choice Requires="a14">
+          <p:sp>
+            <p:nvSpPr>
+              <p:cNvPr id="13" name="TextBox 12">
+                <a:extLst>
+                  <a:ext uri="{FF2B5EF4-FFF2-40B4-BE49-F238E27FC236}">
+                    <a16:creationId xmlns:a16="http://schemas.microsoft.com/office/drawing/2014/main" id="{C4BBAE87-9374-4E65-A647-A2B6D6786C1E}"/>
+                  </a:ext>
+                </a:extLst>
+              </p:cNvPr>
+              <p:cNvSpPr txBox="1"/>
+              <p:nvPr/>
+            </p:nvSpPr>
+            <p:spPr>
+              <a:xfrm>
+                <a:off x="4902147" y="1559809"/>
+                <a:ext cx="394916" cy="369332"/>
+              </a:xfrm>
+              <a:prstGeom prst="rect">
+                <a:avLst/>
+              </a:prstGeom>
+              <a:noFill/>
+              <a:ln w="12700">
+                <a:solidFill>
+                  <a:schemeClr val="tx1"/>
+                </a:solidFill>
+              </a:ln>
+            </p:spPr>
+            <p:txBody>
+              <a:bodyPr wrap="none" rtlCol="0">
+                <a:spAutoFit/>
+              </a:bodyPr>
+              <a:lstStyle/>
+              <a:p>
+                <a:pPr/>
+                <a14:m>
+                  <m:oMathPara xmlns:m="http://schemas.openxmlformats.org/officeDocument/2006/math">
+                    <m:oMathParaPr>
+                      <m:jc m:val="centerGroup"/>
+                    </m:oMathParaPr>
+                    <m:oMath xmlns:m="http://schemas.openxmlformats.org/officeDocument/2006/math">
+                      <m:r>
+                        <a:rPr lang="en-US" altLang="ko-KR" b="0" i="1" smtClean="0">
+                          <a:latin typeface="Cambria Math" panose="02040503050406030204" pitchFamily="18" charset="0"/>
+                        </a:rPr>
+                        <m:t>𝑜</m:t>
+                      </m:r>
+                    </m:oMath>
+                  </m:oMathPara>
+                </a14:m>
+                <a:endParaRPr lang="ko-KR" altLang="en-US" dirty="0"/>
+              </a:p>
+            </p:txBody>
+          </p:sp>
+        </mc:Choice>
+        <mc:Fallback xmlns="">
+          <p:sp>
+            <p:nvSpPr>
+              <p:cNvPr id="13" name="TextBox 12">
+                <a:extLst>
+                  <a:ext uri="{FF2B5EF4-FFF2-40B4-BE49-F238E27FC236}">
+                    <a16:creationId xmlns:a16="http://schemas.microsoft.com/office/drawing/2014/main" id="{C4BBAE87-9374-4E65-A647-A2B6D6786C1E}"/>
+                  </a:ext>
+                </a:extLst>
+              </p:cNvPr>
+              <p:cNvSpPr txBox="1">
+                <a:spLocks noRot="1" noChangeAspect="1" noMove="1" noResize="1" noEditPoints="1" noAdjustHandles="1" noChangeArrowheads="1" noChangeShapeType="1" noTextEdit="1"/>
+              </p:cNvSpPr>
+              <p:nvPr/>
+            </p:nvSpPr>
+            <p:spPr>
+              <a:xfrm>
+                <a:off x="4902147" y="1559809"/>
+                <a:ext cx="394916" cy="369332"/>
+              </a:xfrm>
+              <a:prstGeom prst="rect">
+                <a:avLst/>
+              </a:prstGeom>
+              <a:blipFill>
+                <a:blip r:embed="rId7"/>
+                <a:stretch>
+                  <a:fillRect/>
+                </a:stretch>
+              </a:blipFill>
+              <a:ln w="12700">
+                <a:solidFill>
+                  <a:schemeClr val="tx1"/>
+                </a:solidFill>
+              </a:ln>
+            </p:spPr>
+            <p:txBody>
+              <a:bodyPr/>
+              <a:lstStyle/>
+              <a:p>
+                <a:r>
+                  <a:rPr lang="ko-KR" altLang="en-US">
+                    <a:noFill/>
+                  </a:rPr>
+                  <a:t> </a:t>
+                </a:r>
+              </a:p>
+            </p:txBody>
+          </p:sp>
+        </mc:Fallback>
+      </mc:AlternateContent>
     </p:spTree>
     <p:extLst>
       <p:ext uri="{BB962C8B-B14F-4D97-AF65-F5344CB8AC3E}">
         <p14:creationId xmlns:p14="http://schemas.microsoft.com/office/powerpoint/2010/main" val="3047903409"/>
+      </p:ext>
+    </p:extLst>
+  </p:cSld>
+  <p:clrMapOvr>
+    <a:masterClrMapping/>
+  </p:clrMapOvr>
+</p:sld>
+</file>
+
+<file path=ppt/slides/slide12.xml><?xml version="1.0" encoding="utf-8"?>
+<p:sld xmlns:a="http://schemas.openxmlformats.org/drawingml/2006/main" xmlns:r="http://schemas.openxmlformats.org/officeDocument/2006/relationships" xmlns:p="http://schemas.openxmlformats.org/presentationml/2006/main">
+  <p:cSld>
+    <p:spTree>
+      <p:nvGrpSpPr>
+        <p:cNvPr id="1" name=""/>
+        <p:cNvGrpSpPr/>
+        <p:nvPr/>
+      </p:nvGrpSpPr>
+      <p:grpSpPr>
+        <a:xfrm>
+          <a:off x="0" y="0"/>
+          <a:ext cx="0" cy="0"/>
+          <a:chOff x="0" y="0"/>
+          <a:chExt cx="0" cy="0"/>
+        </a:xfrm>
+      </p:grpSpPr>
+      <p:sp>
+        <p:nvSpPr>
+          <p:cNvPr id="2" name="제목 1">
+            <a:extLst>
+              <a:ext uri="{FF2B5EF4-FFF2-40B4-BE49-F238E27FC236}">
+                <a16:creationId xmlns:a16="http://schemas.microsoft.com/office/drawing/2014/main" id="{C87402A9-D090-43F5-99CA-BDF0912AC688}"/>
+              </a:ext>
+            </a:extLst>
+          </p:cNvPr>
+          <p:cNvSpPr>
+            <a:spLocks noGrp="1"/>
+          </p:cNvSpPr>
+          <p:nvPr>
+            <p:ph type="title"/>
+          </p:nvPr>
+        </p:nvSpPr>
+        <p:spPr/>
+        <p:txBody>
+          <a:bodyPr/>
+          <a:lstStyle/>
+          <a:p>
+            <a:endParaRPr lang="ko-KR" altLang="en-US"/>
+          </a:p>
+        </p:txBody>
+      </p:sp>
+      <p:sp>
+        <p:nvSpPr>
+          <p:cNvPr id="4" name="슬라이드 번호 개체 틀 3">
+            <a:extLst>
+              <a:ext uri="{FF2B5EF4-FFF2-40B4-BE49-F238E27FC236}">
+                <a16:creationId xmlns:a16="http://schemas.microsoft.com/office/drawing/2014/main" id="{DE8BC110-9DFB-411F-B2F6-62CD3FB79B3E}"/>
+              </a:ext>
+            </a:extLst>
+          </p:cNvPr>
+          <p:cNvSpPr>
+            <a:spLocks noGrp="1"/>
+          </p:cNvSpPr>
+          <p:nvPr>
+            <p:ph type="sldNum" sz="quarter" idx="12"/>
+          </p:nvPr>
+        </p:nvSpPr>
+        <p:spPr/>
+        <p:txBody>
+          <a:bodyPr/>
+          <a:lstStyle/>
+          <a:p>
+            <a:fld id="{7B055449-CB9B-4507-A320-C80DFFE8427A}" type="slidenum">
+              <a:rPr lang="ko-KR" altLang="en-US" smtClean="0"/>
+              <a:t>12</a:t>
+            </a:fld>
+            <a:endParaRPr lang="ko-KR" altLang="en-US"/>
+          </a:p>
+        </p:txBody>
+      </p:sp>
+      <p:sp>
+        <p:nvSpPr>
+          <p:cNvPr id="5" name="TextBox 4">
+            <a:extLst>
+              <a:ext uri="{FF2B5EF4-FFF2-40B4-BE49-F238E27FC236}">
+                <a16:creationId xmlns:a16="http://schemas.microsoft.com/office/drawing/2014/main" id="{429476AB-E5DD-4260-ACA6-C600DF0304E1}"/>
+              </a:ext>
+            </a:extLst>
+          </p:cNvPr>
+          <p:cNvSpPr txBox="1"/>
+          <p:nvPr/>
+        </p:nvSpPr>
+        <p:spPr>
+          <a:xfrm>
+            <a:off x="2646485" y="1925515"/>
+            <a:ext cx="4686300" cy="369332"/>
+          </a:xfrm>
+          <a:prstGeom prst="rect">
+            <a:avLst/>
+          </a:prstGeom>
+          <a:noFill/>
+        </p:spPr>
+        <p:txBody>
+          <a:bodyPr wrap="square" rtlCol="0">
+            <a:spAutoFit/>
+          </a:bodyPr>
+          <a:lstStyle/>
+          <a:p>
+            <a:r>
+              <a:rPr lang="en-US" altLang="ko-KR" dirty="0"/>
+              <a:t>It is a small world but I like it that way</a:t>
+            </a:r>
+            <a:endParaRPr lang="ko-KR" altLang="en-US" dirty="0"/>
+          </a:p>
+        </p:txBody>
+      </p:sp>
+      <p:pic>
+        <p:nvPicPr>
+          <p:cNvPr id="6" name="그림 5">
+            <a:extLst>
+              <a:ext uri="{FF2B5EF4-FFF2-40B4-BE49-F238E27FC236}">
+                <a16:creationId xmlns:a16="http://schemas.microsoft.com/office/drawing/2014/main" id="{F65034DB-8355-4F15-80D0-E0A4085A6FD6}"/>
+              </a:ext>
+            </a:extLst>
+          </p:cNvPr>
+          <p:cNvPicPr>
+            <a:picLocks noChangeAspect="1"/>
+          </p:cNvPicPr>
+          <p:nvPr/>
+        </p:nvPicPr>
+        <p:blipFill>
+          <a:blip r:embed="rId2"/>
+          <a:stretch>
+            <a:fillRect/>
+          </a:stretch>
+        </p:blipFill>
+        <p:spPr>
+          <a:xfrm>
+            <a:off x="2313109" y="2863782"/>
+            <a:ext cx="5772150" cy="2724150"/>
+          </a:xfrm>
+          <a:prstGeom prst="rect">
+            <a:avLst/>
+          </a:prstGeom>
+        </p:spPr>
+      </p:pic>
+    </p:spTree>
+    <p:extLst>
+      <p:ext uri="{BB962C8B-B14F-4D97-AF65-F5344CB8AC3E}">
+        <p14:creationId xmlns:p14="http://schemas.microsoft.com/office/powerpoint/2010/main" val="2457554113"/>
+      </p:ext>
+    </p:extLst>
+  </p:cSld>
+  <p:clrMapOvr>
+    <a:masterClrMapping/>
+  </p:clrMapOvr>
+</p:sld>
+</file>
+
+<file path=ppt/slides/slide13.xml><?xml version="1.0" encoding="utf-8"?>
+<p:sld xmlns:a="http://schemas.openxmlformats.org/drawingml/2006/main" xmlns:r="http://schemas.openxmlformats.org/officeDocument/2006/relationships" xmlns:p="http://schemas.openxmlformats.org/presentationml/2006/main">
+  <p:cSld>
+    <p:spTree>
+      <p:nvGrpSpPr>
+        <p:cNvPr id="1" name=""/>
+        <p:cNvGrpSpPr/>
+        <p:nvPr/>
+      </p:nvGrpSpPr>
+      <p:grpSpPr>
+        <a:xfrm>
+          <a:off x="0" y="0"/>
+          <a:ext cx="0" cy="0"/>
+          <a:chOff x="0" y="0"/>
+          <a:chExt cx="0" cy="0"/>
+        </a:xfrm>
+      </p:grpSpPr>
+      <p:sp>
+        <p:nvSpPr>
+          <p:cNvPr id="2" name="제목 1">
+            <a:extLst>
+              <a:ext uri="{FF2B5EF4-FFF2-40B4-BE49-F238E27FC236}">
+                <a16:creationId xmlns:a16="http://schemas.microsoft.com/office/drawing/2014/main" id="{643DC446-E1E3-4F3D-90B4-EE81C990598E}"/>
+              </a:ext>
+            </a:extLst>
+          </p:cNvPr>
+          <p:cNvSpPr>
+            <a:spLocks noGrp="1"/>
+          </p:cNvSpPr>
+          <p:nvPr>
+            <p:ph type="title"/>
+          </p:nvPr>
+        </p:nvSpPr>
+        <p:spPr/>
+        <p:txBody>
+          <a:bodyPr/>
+          <a:lstStyle/>
+          <a:p>
+            <a:endParaRPr lang="ko-KR" altLang="en-US"/>
+          </a:p>
+        </p:txBody>
+      </p:sp>
+      <p:sp>
+        <p:nvSpPr>
+          <p:cNvPr id="4" name="슬라이드 번호 개체 틀 3">
+            <a:extLst>
+              <a:ext uri="{FF2B5EF4-FFF2-40B4-BE49-F238E27FC236}">
+                <a16:creationId xmlns:a16="http://schemas.microsoft.com/office/drawing/2014/main" id="{49DBF06C-3271-4094-BD91-8211A91E5294}"/>
+              </a:ext>
+            </a:extLst>
+          </p:cNvPr>
+          <p:cNvSpPr>
+            <a:spLocks noGrp="1"/>
+          </p:cNvSpPr>
+          <p:nvPr>
+            <p:ph type="sldNum" sz="quarter" idx="12"/>
+          </p:nvPr>
+        </p:nvSpPr>
+        <p:spPr/>
+        <p:txBody>
+          <a:bodyPr/>
+          <a:lstStyle/>
+          <a:p>
+            <a:fld id="{7B055449-CB9B-4507-A320-C80DFFE8427A}" type="slidenum">
+              <a:rPr lang="ko-KR" altLang="en-US" smtClean="0"/>
+              <a:t>13</a:t>
+            </a:fld>
+            <a:endParaRPr lang="ko-KR" altLang="en-US"/>
+          </a:p>
+        </p:txBody>
+      </p:sp>
+      <p:grpSp>
+        <p:nvGrpSpPr>
+          <p:cNvPr id="10" name="그룹 9">
+            <a:extLst>
+              <a:ext uri="{FF2B5EF4-FFF2-40B4-BE49-F238E27FC236}">
+                <a16:creationId xmlns:a16="http://schemas.microsoft.com/office/drawing/2014/main" id="{FAFA0D77-4521-4A6E-AD1E-FE6338EB05E9}"/>
+              </a:ext>
+            </a:extLst>
+          </p:cNvPr>
+          <p:cNvGrpSpPr/>
+          <p:nvPr/>
+        </p:nvGrpSpPr>
+        <p:grpSpPr>
+          <a:xfrm>
+            <a:off x="745881" y="2078281"/>
+            <a:ext cx="5073162" cy="3418846"/>
+            <a:chOff x="1405304" y="2087073"/>
+            <a:chExt cx="5073162" cy="3418846"/>
+          </a:xfrm>
+        </p:grpSpPr>
+        <p:pic>
+          <p:nvPicPr>
+            <p:cNvPr id="6" name="그림 5">
+              <a:extLst>
+                <a:ext uri="{FF2B5EF4-FFF2-40B4-BE49-F238E27FC236}">
+                  <a16:creationId xmlns:a16="http://schemas.microsoft.com/office/drawing/2014/main" id="{3EE5787D-274F-4464-BC24-C9043DC2919E}"/>
+                </a:ext>
+              </a:extLst>
+            </p:cNvPr>
+            <p:cNvPicPr>
+              <a:picLocks noChangeAspect="1"/>
+            </p:cNvPicPr>
+            <p:nvPr/>
+          </p:nvPicPr>
+          <p:blipFill>
+            <a:blip r:embed="rId2"/>
+            <a:stretch>
+              <a:fillRect/>
+            </a:stretch>
+          </p:blipFill>
+          <p:spPr>
+            <a:xfrm>
+              <a:off x="2477966" y="2087073"/>
+              <a:ext cx="4000500" cy="2314575"/>
+            </a:xfrm>
+            <a:prstGeom prst="rect">
+              <a:avLst/>
+            </a:prstGeom>
+          </p:spPr>
+        </p:pic>
+        <p:sp>
+          <p:nvSpPr>
+            <p:cNvPr id="7" name="TextBox 6">
+              <a:extLst>
+                <a:ext uri="{FF2B5EF4-FFF2-40B4-BE49-F238E27FC236}">
+                  <a16:creationId xmlns:a16="http://schemas.microsoft.com/office/drawing/2014/main" id="{100E5EA2-E0DA-4454-9DE7-7B429AEBB7D3}"/>
+                </a:ext>
+              </a:extLst>
+            </p:cNvPr>
+            <p:cNvSpPr txBox="1"/>
+            <p:nvPr/>
+          </p:nvSpPr>
+          <p:spPr>
+            <a:xfrm>
+              <a:off x="3156438" y="4798033"/>
+              <a:ext cx="2157963" cy="707886"/>
+            </a:xfrm>
+            <a:prstGeom prst="rect">
+              <a:avLst/>
+            </a:prstGeom>
+            <a:noFill/>
+          </p:spPr>
+          <p:txBody>
+            <a:bodyPr wrap="none" rtlCol="0">
+              <a:spAutoFit/>
+            </a:bodyPr>
+            <a:lstStyle/>
+            <a:p>
+              <a:r>
+                <a:rPr lang="en-US" altLang="ko-KR" sz="2000" dirty="0"/>
+                <a:t>Batch size = 2</a:t>
+              </a:r>
+            </a:p>
+            <a:p>
+              <a:r>
+                <a:rPr lang="en-US" altLang="ko-KR" sz="2000" dirty="0"/>
+                <a:t>Window size = 3</a:t>
+              </a:r>
+              <a:endParaRPr lang="ko-KR" altLang="en-US" sz="2000" dirty="0"/>
+            </a:p>
+          </p:txBody>
+        </p:sp>
+        <p:sp>
+          <p:nvSpPr>
+            <p:cNvPr id="8" name="TextBox 7">
+              <a:extLst>
+                <a:ext uri="{FF2B5EF4-FFF2-40B4-BE49-F238E27FC236}">
+                  <a16:creationId xmlns:a16="http://schemas.microsoft.com/office/drawing/2014/main" id="{586D7E78-B15E-451E-9663-BDC85C531785}"/>
+                </a:ext>
+              </a:extLst>
+            </p:cNvPr>
+            <p:cNvSpPr txBox="1"/>
+            <p:nvPr/>
+          </p:nvSpPr>
+          <p:spPr>
+            <a:xfrm>
+              <a:off x="1405304" y="2095865"/>
+              <a:ext cx="1054199" cy="707886"/>
+            </a:xfrm>
+            <a:prstGeom prst="rect">
+              <a:avLst/>
+            </a:prstGeom>
+            <a:noFill/>
+          </p:spPr>
+          <p:txBody>
+            <a:bodyPr wrap="none" rtlCol="0">
+              <a:spAutoFit/>
+            </a:bodyPr>
+            <a:lstStyle/>
+            <a:p>
+              <a:r>
+                <a:rPr lang="en-US" altLang="ko-KR" sz="2000" dirty="0"/>
+                <a:t>batch 1</a:t>
+              </a:r>
+            </a:p>
+            <a:p>
+              <a:r>
+                <a:rPr lang="en-US" altLang="ko-KR" sz="2000" dirty="0"/>
+                <a:t>batch 2</a:t>
+              </a:r>
+              <a:endParaRPr lang="ko-KR" altLang="en-US" sz="2000" dirty="0"/>
+            </a:p>
+          </p:txBody>
+        </p:sp>
+      </p:grpSp>
+      <p:pic>
+        <p:nvPicPr>
+          <p:cNvPr id="9" name="그림 8">
+            <a:extLst>
+              <a:ext uri="{FF2B5EF4-FFF2-40B4-BE49-F238E27FC236}">
+                <a16:creationId xmlns:a16="http://schemas.microsoft.com/office/drawing/2014/main" id="{2FE4847E-7579-4ED1-B6A2-72DD6548C086}"/>
+              </a:ext>
+            </a:extLst>
+          </p:cNvPr>
+          <p:cNvPicPr>
+            <a:picLocks noChangeAspect="1"/>
+          </p:cNvPicPr>
+          <p:nvPr/>
+        </p:nvPicPr>
+        <p:blipFill>
+          <a:blip r:embed="rId3"/>
+          <a:stretch>
+            <a:fillRect/>
+          </a:stretch>
+        </p:blipFill>
+        <p:spPr>
+          <a:xfrm>
+            <a:off x="5034329" y="4251811"/>
+            <a:ext cx="6143625" cy="1057275"/>
+          </a:xfrm>
+          <a:prstGeom prst="rect">
+            <a:avLst/>
+          </a:prstGeom>
+        </p:spPr>
+      </p:pic>
+    </p:spTree>
+    <p:extLst>
+      <p:ext uri="{BB962C8B-B14F-4D97-AF65-F5344CB8AC3E}">
+        <p14:creationId xmlns:p14="http://schemas.microsoft.com/office/powerpoint/2010/main" val="441746071"/>
+      </p:ext>
+    </p:extLst>
+  </p:cSld>
+  <p:clrMapOvr>
+    <a:masterClrMapping/>
+  </p:clrMapOvr>
+</p:sld>
+</file>
+
+<file path=ppt/slides/slide14.xml><?xml version="1.0" encoding="utf-8"?>
+<p:sld xmlns:a="http://schemas.openxmlformats.org/drawingml/2006/main" xmlns:r="http://schemas.openxmlformats.org/officeDocument/2006/relationships" xmlns:p="http://schemas.openxmlformats.org/presentationml/2006/main">
+  <p:cSld>
+    <p:spTree>
+      <p:nvGrpSpPr>
+        <p:cNvPr id="1" name=""/>
+        <p:cNvGrpSpPr/>
+        <p:nvPr/>
+      </p:nvGrpSpPr>
+      <p:grpSpPr>
+        <a:xfrm>
+          <a:off x="0" y="0"/>
+          <a:ext cx="0" cy="0"/>
+          <a:chOff x="0" y="0"/>
+          <a:chExt cx="0" cy="0"/>
+        </a:xfrm>
+      </p:grpSpPr>
+      <p:sp>
+        <p:nvSpPr>
+          <p:cNvPr id="2" name="제목 1">
+            <a:extLst>
+              <a:ext uri="{FF2B5EF4-FFF2-40B4-BE49-F238E27FC236}">
+                <a16:creationId xmlns:a16="http://schemas.microsoft.com/office/drawing/2014/main" id="{15CB77F1-D99E-4706-96CE-2465BA4EA399}"/>
+              </a:ext>
+            </a:extLst>
+          </p:cNvPr>
+          <p:cNvSpPr>
+            <a:spLocks noGrp="1"/>
+          </p:cNvSpPr>
+          <p:nvPr>
+            <p:ph type="title"/>
+          </p:nvPr>
+        </p:nvSpPr>
+        <p:spPr/>
+        <p:txBody>
+          <a:bodyPr/>
+          <a:lstStyle/>
+          <a:p>
+            <a:r>
+              <a:rPr lang="en-US" altLang="ko-KR" dirty="0"/>
+              <a:t>4.6 Long Short-Term Memory</a:t>
+            </a:r>
+            <a:endParaRPr lang="ko-KR" altLang="en-US" dirty="0"/>
+          </a:p>
+        </p:txBody>
+      </p:sp>
+      <p:sp>
+        <p:nvSpPr>
+          <p:cNvPr id="4" name="슬라이드 번호 개체 틀 3">
+            <a:extLst>
+              <a:ext uri="{FF2B5EF4-FFF2-40B4-BE49-F238E27FC236}">
+                <a16:creationId xmlns:a16="http://schemas.microsoft.com/office/drawing/2014/main" id="{767F6A8D-5618-4309-9A3B-DD90E28BDCCE}"/>
+              </a:ext>
+            </a:extLst>
+          </p:cNvPr>
+          <p:cNvSpPr>
+            <a:spLocks noGrp="1"/>
+          </p:cNvSpPr>
+          <p:nvPr>
+            <p:ph type="sldNum" sz="quarter" idx="12"/>
+          </p:nvPr>
+        </p:nvSpPr>
+        <p:spPr/>
+        <p:txBody>
+          <a:bodyPr/>
+          <a:lstStyle/>
+          <a:p>
+            <a:fld id="{7B055449-CB9B-4507-A320-C80DFFE8427A}" type="slidenum">
+              <a:rPr lang="ko-KR" altLang="en-US" smtClean="0"/>
+              <a:t>14</a:t>
+            </a:fld>
+            <a:endParaRPr lang="ko-KR" altLang="en-US"/>
+          </a:p>
+        </p:txBody>
+      </p:sp>
+      <p:pic>
+        <p:nvPicPr>
+          <p:cNvPr id="5" name="그림 4">
+            <a:extLst>
+              <a:ext uri="{FF2B5EF4-FFF2-40B4-BE49-F238E27FC236}">
+                <a16:creationId xmlns:a16="http://schemas.microsoft.com/office/drawing/2014/main" id="{F25D087A-1812-454E-9907-997D93D610C7}"/>
+              </a:ext>
+            </a:extLst>
+          </p:cNvPr>
+          <p:cNvPicPr>
+            <a:picLocks noChangeAspect="1"/>
+          </p:cNvPicPr>
+          <p:nvPr/>
+        </p:nvPicPr>
+        <p:blipFill>
+          <a:blip r:embed="rId2"/>
+          <a:stretch>
+            <a:fillRect/>
+          </a:stretch>
+        </p:blipFill>
+        <p:spPr>
+          <a:xfrm>
+            <a:off x="3481336" y="2336744"/>
+            <a:ext cx="6181725" cy="3924300"/>
+          </a:xfrm>
+          <a:prstGeom prst="rect">
+            <a:avLst/>
+          </a:prstGeom>
+        </p:spPr>
+      </p:pic>
+      <mc:AlternateContent xmlns:mc="http://schemas.openxmlformats.org/markup-compatibility/2006">
+        <mc:Choice xmlns:a14="http://schemas.microsoft.com/office/drawing/2010/main" Requires="a14">
+          <p:sp>
+            <p:nvSpPr>
+              <p:cNvPr id="6" name="TextBox 5">
+                <a:extLst>
+                  <a:ext uri="{FF2B5EF4-FFF2-40B4-BE49-F238E27FC236}">
+                    <a16:creationId xmlns:a16="http://schemas.microsoft.com/office/drawing/2014/main" id="{60AF3B4A-5BF1-4949-B754-713AA2EC63C7}"/>
+                  </a:ext>
+                </a:extLst>
+              </p:cNvPr>
+              <p:cNvSpPr txBox="1"/>
+              <p:nvPr/>
+            </p:nvSpPr>
+            <p:spPr>
+              <a:xfrm>
+                <a:off x="838200" y="2042608"/>
+                <a:ext cx="3202736" cy="646331"/>
+              </a:xfrm>
+              <a:prstGeom prst="rect">
+                <a:avLst/>
+              </a:prstGeom>
+              <a:noFill/>
+              <a:ln w="12700">
+                <a:solidFill>
+                  <a:schemeClr val="tx1"/>
+                </a:solidFill>
+              </a:ln>
+            </p:spPr>
+            <p:txBody>
+              <a:bodyPr wrap="none" rtlCol="0">
+                <a:spAutoFit/>
+              </a:bodyPr>
+              <a:lstStyle/>
+              <a:p>
+                <a:r>
+                  <a:rPr lang="en-US" altLang="ko-KR" dirty="0"/>
+                  <a:t>forget gate because sigmoid</a:t>
+                </a:r>
+              </a:p>
+              <a:p>
+                <a:r>
+                  <a:rPr lang="en-US" altLang="ko-KR" dirty="0"/>
+                  <a:t>function has of range </a:t>
+                </a:r>
+                <a14:m>
+                  <m:oMath xmlns:m="http://schemas.openxmlformats.org/officeDocument/2006/math">
+                    <m:r>
+                      <a:rPr lang="en-US" altLang="ko-KR" b="0" i="1" smtClean="0">
+                        <a:latin typeface="Cambria Math" panose="02040503050406030204" pitchFamily="18" charset="0"/>
+                      </a:rPr>
+                      <m:t>(0,1)</m:t>
+                    </m:r>
+                  </m:oMath>
+                </a14:m>
+                <a:endParaRPr lang="en-US" altLang="ko-KR" dirty="0"/>
+              </a:p>
+            </p:txBody>
+          </p:sp>
+        </mc:Choice>
+        <mc:Fallback>
+          <p:sp>
+            <p:nvSpPr>
+              <p:cNvPr id="6" name="TextBox 5">
+                <a:extLst>
+                  <a:ext uri="{FF2B5EF4-FFF2-40B4-BE49-F238E27FC236}">
+                    <a16:creationId xmlns:a16="http://schemas.microsoft.com/office/drawing/2014/main" id="{60AF3B4A-5BF1-4949-B754-713AA2EC63C7}"/>
+                  </a:ext>
+                </a:extLst>
+              </p:cNvPr>
+              <p:cNvSpPr txBox="1">
+                <a:spLocks noRot="1" noChangeAspect="1" noMove="1" noResize="1" noEditPoints="1" noAdjustHandles="1" noChangeArrowheads="1" noChangeShapeType="1" noTextEdit="1"/>
+              </p:cNvSpPr>
+              <p:nvPr/>
+            </p:nvSpPr>
+            <p:spPr>
+              <a:xfrm>
+                <a:off x="838200" y="2042608"/>
+                <a:ext cx="3202736" cy="646331"/>
+              </a:xfrm>
+              <a:prstGeom prst="rect">
+                <a:avLst/>
+              </a:prstGeom>
+              <a:blipFill>
+                <a:blip r:embed="rId3"/>
+                <a:stretch>
+                  <a:fillRect l="-1518" t="-3704" r="-569" b="-12963"/>
+                </a:stretch>
+              </a:blipFill>
+              <a:ln w="12700">
+                <a:solidFill>
+                  <a:schemeClr val="tx1"/>
+                </a:solidFill>
+              </a:ln>
+            </p:spPr>
+            <p:txBody>
+              <a:bodyPr/>
+              <a:lstStyle/>
+              <a:p>
+                <a:r>
+                  <a:rPr lang="ko-KR" altLang="en-US">
+                    <a:noFill/>
+                  </a:rPr>
+                  <a:t> </a:t>
+                </a:r>
+              </a:p>
+            </p:txBody>
+          </p:sp>
+        </mc:Fallback>
+      </mc:AlternateContent>
+      <p:cxnSp>
+        <p:nvCxnSpPr>
+          <p:cNvPr id="10" name="직선 연결선 9">
+            <a:extLst>
+              <a:ext uri="{FF2B5EF4-FFF2-40B4-BE49-F238E27FC236}">
+                <a16:creationId xmlns:a16="http://schemas.microsoft.com/office/drawing/2014/main" id="{91CAB382-FB3B-4E62-A5C8-93018AB830D7}"/>
+              </a:ext>
+            </a:extLst>
+          </p:cNvPr>
+          <p:cNvCxnSpPr>
+            <a:cxnSpLocks/>
+            <a:stCxn id="6" idx="2"/>
+          </p:cNvCxnSpPr>
+          <p:nvPr/>
+        </p:nvCxnSpPr>
+        <p:spPr>
+          <a:xfrm>
+            <a:off x="2439568" y="2688939"/>
+            <a:ext cx="1746985" cy="757353"/>
+          </a:xfrm>
+          <a:prstGeom prst="line">
+            <a:avLst/>
+          </a:prstGeom>
+          <a:ln w="12700">
+            <a:solidFill>
+              <a:schemeClr val="tx1"/>
+            </a:solidFill>
+            <a:prstDash val="dash"/>
+          </a:ln>
+        </p:spPr>
+        <p:style>
+          <a:lnRef idx="1">
+            <a:schemeClr val="accent1"/>
+          </a:lnRef>
+          <a:fillRef idx="0">
+            <a:schemeClr val="accent1"/>
+          </a:fillRef>
+          <a:effectRef idx="0">
+            <a:schemeClr val="accent1"/>
+          </a:effectRef>
+          <a:fontRef idx="minor">
+            <a:schemeClr val="tx1"/>
+          </a:fontRef>
+        </p:style>
+      </p:cxnSp>
+      <p:sp>
+        <p:nvSpPr>
+          <p:cNvPr id="11" name="TextBox 10">
+            <a:extLst>
+              <a:ext uri="{FF2B5EF4-FFF2-40B4-BE49-F238E27FC236}">
+                <a16:creationId xmlns:a16="http://schemas.microsoft.com/office/drawing/2014/main" id="{60938852-C0AC-420C-B0B4-6A7DB2703786}"/>
+              </a:ext>
+            </a:extLst>
+          </p:cNvPr>
+          <p:cNvSpPr txBox="1"/>
+          <p:nvPr/>
+        </p:nvSpPr>
+        <p:spPr>
+          <a:xfrm>
+            <a:off x="9840006" y="3402052"/>
+            <a:ext cx="1112484" cy="369332"/>
+          </a:xfrm>
+          <a:prstGeom prst="rect">
+            <a:avLst/>
+          </a:prstGeom>
+          <a:noFill/>
+          <a:ln w="12700">
+            <a:solidFill>
+              <a:schemeClr val="tx1"/>
+            </a:solidFill>
+          </a:ln>
+        </p:spPr>
+        <p:txBody>
+          <a:bodyPr wrap="none" rtlCol="0">
+            <a:spAutoFit/>
+          </a:bodyPr>
+          <a:lstStyle/>
+          <a:p>
+            <a:r>
+              <a:rPr lang="en-US" altLang="ko-KR" dirty="0"/>
+              <a:t>cell state</a:t>
+            </a:r>
+            <a:endParaRPr lang="ko-KR" altLang="en-US" dirty="0"/>
+          </a:p>
+        </p:txBody>
+      </p:sp>
+      <p:sp>
+        <p:nvSpPr>
+          <p:cNvPr id="12" name="TextBox 11">
+            <a:extLst>
+              <a:ext uri="{FF2B5EF4-FFF2-40B4-BE49-F238E27FC236}">
+                <a16:creationId xmlns:a16="http://schemas.microsoft.com/office/drawing/2014/main" id="{6E8B801B-8C34-471D-ADB0-6798D26F3828}"/>
+              </a:ext>
+            </a:extLst>
+          </p:cNvPr>
+          <p:cNvSpPr txBox="1"/>
+          <p:nvPr/>
+        </p:nvSpPr>
+        <p:spPr>
+          <a:xfrm>
+            <a:off x="1645576" y="5987018"/>
+            <a:ext cx="1655903" cy="369332"/>
+          </a:xfrm>
+          <a:prstGeom prst="rect">
+            <a:avLst/>
+          </a:prstGeom>
+          <a:noFill/>
+          <a:ln w="12700">
+            <a:solidFill>
+              <a:schemeClr val="tx1"/>
+            </a:solidFill>
+          </a:ln>
+        </p:spPr>
+        <p:txBody>
+          <a:bodyPr wrap="none" rtlCol="0">
+            <a:spAutoFit/>
+          </a:bodyPr>
+          <a:lstStyle/>
+          <a:p>
+            <a:r>
+              <a:rPr lang="en-US" altLang="ko-KR" dirty="0"/>
+              <a:t>concatenation</a:t>
+            </a:r>
+            <a:endParaRPr lang="ko-KR" altLang="en-US" dirty="0"/>
+          </a:p>
+        </p:txBody>
+      </p:sp>
+      <p:cxnSp>
+        <p:nvCxnSpPr>
+          <p:cNvPr id="14" name="직선 연결선 13">
+            <a:extLst>
+              <a:ext uri="{FF2B5EF4-FFF2-40B4-BE49-F238E27FC236}">
+                <a16:creationId xmlns:a16="http://schemas.microsoft.com/office/drawing/2014/main" id="{DBFBF697-70FC-4EB3-9978-84C4FFA636B3}"/>
+              </a:ext>
+            </a:extLst>
+          </p:cNvPr>
+          <p:cNvCxnSpPr>
+            <a:stCxn id="12" idx="3"/>
+          </p:cNvCxnSpPr>
+          <p:nvPr/>
+        </p:nvCxnSpPr>
+        <p:spPr>
+          <a:xfrm flipV="1">
+            <a:off x="3301479" y="5477064"/>
+            <a:ext cx="885074" cy="694620"/>
+          </a:xfrm>
+          <a:prstGeom prst="line">
+            <a:avLst/>
+          </a:prstGeom>
+          <a:ln w="12700">
+            <a:solidFill>
+              <a:schemeClr val="tx1"/>
+            </a:solidFill>
+            <a:prstDash val="dash"/>
+          </a:ln>
+        </p:spPr>
+        <p:style>
+          <a:lnRef idx="1">
+            <a:schemeClr val="accent1"/>
+          </a:lnRef>
+          <a:fillRef idx="0">
+            <a:schemeClr val="accent1"/>
+          </a:fillRef>
+          <a:effectRef idx="0">
+            <a:schemeClr val="accent1"/>
+          </a:effectRef>
+          <a:fontRef idx="minor">
+            <a:schemeClr val="tx1"/>
+          </a:fontRef>
+        </p:style>
+      </p:cxnSp>
+      <p:sp>
+        <p:nvSpPr>
+          <p:cNvPr id="15" name="TextBox 14">
+            <a:extLst>
+              <a:ext uri="{FF2B5EF4-FFF2-40B4-BE49-F238E27FC236}">
+                <a16:creationId xmlns:a16="http://schemas.microsoft.com/office/drawing/2014/main" id="{2CB6D279-5EA0-4C2E-8AF2-07C63C1F1732}"/>
+              </a:ext>
+            </a:extLst>
+          </p:cNvPr>
+          <p:cNvSpPr txBox="1"/>
+          <p:nvPr/>
+        </p:nvSpPr>
+        <p:spPr>
+          <a:xfrm>
+            <a:off x="4963206" y="1856390"/>
+            <a:ext cx="3092513" cy="369332"/>
+          </a:xfrm>
+          <a:prstGeom prst="rect">
+            <a:avLst/>
+          </a:prstGeom>
+          <a:noFill/>
+          <a:ln w="12700">
+            <a:solidFill>
+              <a:schemeClr val="tx1"/>
+            </a:solidFill>
+          </a:ln>
+        </p:spPr>
+        <p:txBody>
+          <a:bodyPr wrap="none" rtlCol="0">
+            <a:spAutoFit/>
+          </a:bodyPr>
+          <a:lstStyle/>
+          <a:p>
+            <a:r>
+              <a:rPr lang="en-US" altLang="ko-KR" dirty="0"/>
+              <a:t>element–wise multiplication</a:t>
+            </a:r>
+            <a:endParaRPr lang="ko-KR" altLang="en-US" dirty="0"/>
+          </a:p>
+        </p:txBody>
+      </p:sp>
+      <p:cxnSp>
+        <p:nvCxnSpPr>
+          <p:cNvPr id="16" name="직선 연결선 15">
+            <a:extLst>
+              <a:ext uri="{FF2B5EF4-FFF2-40B4-BE49-F238E27FC236}">
+                <a16:creationId xmlns:a16="http://schemas.microsoft.com/office/drawing/2014/main" id="{9ABC948C-DB79-4190-BD8A-4DDE2041A297}"/>
+              </a:ext>
+            </a:extLst>
+          </p:cNvPr>
+          <p:cNvCxnSpPr>
+            <a:cxnSpLocks/>
+            <a:endCxn id="15" idx="2"/>
+          </p:cNvCxnSpPr>
+          <p:nvPr/>
+        </p:nvCxnSpPr>
+        <p:spPr>
+          <a:xfrm flipV="1">
+            <a:off x="4511877" y="2225722"/>
+            <a:ext cx="1997586" cy="1217276"/>
+          </a:xfrm>
+          <a:prstGeom prst="line">
+            <a:avLst/>
+          </a:prstGeom>
+          <a:ln w="12700">
+            <a:solidFill>
+              <a:schemeClr val="tx1"/>
+            </a:solidFill>
+            <a:prstDash val="dash"/>
+          </a:ln>
+        </p:spPr>
+        <p:style>
+          <a:lnRef idx="1">
+            <a:schemeClr val="accent1"/>
+          </a:lnRef>
+          <a:fillRef idx="0">
+            <a:schemeClr val="accent1"/>
+          </a:fillRef>
+          <a:effectRef idx="0">
+            <a:schemeClr val="accent1"/>
+          </a:effectRef>
+          <a:fontRef idx="minor">
+            <a:schemeClr val="tx1"/>
+          </a:fontRef>
+        </p:style>
+      </p:cxnSp>
+      <p:cxnSp>
+        <p:nvCxnSpPr>
+          <p:cNvPr id="19" name="직선 연결선 18">
+            <a:extLst>
+              <a:ext uri="{FF2B5EF4-FFF2-40B4-BE49-F238E27FC236}">
+                <a16:creationId xmlns:a16="http://schemas.microsoft.com/office/drawing/2014/main" id="{32B722EC-D612-4C66-A003-FCC402A72B8E}"/>
+              </a:ext>
+            </a:extLst>
+          </p:cNvPr>
+          <p:cNvCxnSpPr>
+            <a:cxnSpLocks/>
+            <a:endCxn id="15" idx="2"/>
+          </p:cNvCxnSpPr>
+          <p:nvPr/>
+        </p:nvCxnSpPr>
+        <p:spPr>
+          <a:xfrm flipV="1">
+            <a:off x="6129653" y="2225722"/>
+            <a:ext cx="379810" cy="1950081"/>
+          </a:xfrm>
+          <a:prstGeom prst="line">
+            <a:avLst/>
+          </a:prstGeom>
+          <a:ln w="12700">
+            <a:solidFill>
+              <a:schemeClr val="tx1"/>
+            </a:solidFill>
+            <a:prstDash val="dash"/>
+          </a:ln>
+        </p:spPr>
+        <p:style>
+          <a:lnRef idx="1">
+            <a:schemeClr val="accent1"/>
+          </a:lnRef>
+          <a:fillRef idx="0">
+            <a:schemeClr val="accent1"/>
+          </a:fillRef>
+          <a:effectRef idx="0">
+            <a:schemeClr val="accent1"/>
+          </a:effectRef>
+          <a:fontRef idx="minor">
+            <a:schemeClr val="tx1"/>
+          </a:fontRef>
+        </p:style>
+      </p:cxnSp>
+      <p:cxnSp>
+        <p:nvCxnSpPr>
+          <p:cNvPr id="22" name="직선 연결선 21">
+            <a:extLst>
+              <a:ext uri="{FF2B5EF4-FFF2-40B4-BE49-F238E27FC236}">
+                <a16:creationId xmlns:a16="http://schemas.microsoft.com/office/drawing/2014/main" id="{287672C7-6FC5-432B-93A1-75BF026E2404}"/>
+              </a:ext>
+            </a:extLst>
+          </p:cNvPr>
+          <p:cNvCxnSpPr>
+            <a:cxnSpLocks/>
+            <a:endCxn id="15" idx="2"/>
+          </p:cNvCxnSpPr>
+          <p:nvPr/>
+        </p:nvCxnSpPr>
+        <p:spPr>
+          <a:xfrm flipH="1" flipV="1">
+            <a:off x="6509463" y="2225722"/>
+            <a:ext cx="1030541" cy="2721993"/>
+          </a:xfrm>
+          <a:prstGeom prst="line">
+            <a:avLst/>
+          </a:prstGeom>
+          <a:ln w="12700">
+            <a:solidFill>
+              <a:schemeClr val="tx1"/>
+            </a:solidFill>
+            <a:prstDash val="dash"/>
+          </a:ln>
+        </p:spPr>
+        <p:style>
+          <a:lnRef idx="1">
+            <a:schemeClr val="accent1"/>
+          </a:lnRef>
+          <a:fillRef idx="0">
+            <a:schemeClr val="accent1"/>
+          </a:fillRef>
+          <a:effectRef idx="0">
+            <a:schemeClr val="accent1"/>
+          </a:effectRef>
+          <a:fontRef idx="minor">
+            <a:schemeClr val="tx1"/>
+          </a:fontRef>
+        </p:style>
+      </p:cxnSp>
+    </p:spTree>
+    <p:extLst>
+      <p:ext uri="{BB962C8B-B14F-4D97-AF65-F5344CB8AC3E}">
+        <p14:creationId xmlns:p14="http://schemas.microsoft.com/office/powerpoint/2010/main" val="854530632"/>
+      </p:ext>
+    </p:extLst>
+  </p:cSld>
+  <p:clrMapOvr>
+    <a:masterClrMapping/>
+  </p:clrMapOvr>
+</p:sld>
+</file>
+
+<file path=ppt/slides/slide15.xml><?xml version="1.0" encoding="utf-8"?>
+<p:sld xmlns:a="http://schemas.openxmlformats.org/drawingml/2006/main" xmlns:r="http://schemas.openxmlformats.org/officeDocument/2006/relationships" xmlns:p="http://schemas.openxmlformats.org/presentationml/2006/main">
+  <p:cSld>
+    <p:spTree>
+      <p:nvGrpSpPr>
+        <p:cNvPr id="1" name=""/>
+        <p:cNvGrpSpPr/>
+        <p:nvPr/>
+      </p:nvGrpSpPr>
+      <p:grpSpPr>
+        <a:xfrm>
+          <a:off x="0" y="0"/>
+          <a:ext cx="0" cy="0"/>
+          <a:chOff x="0" y="0"/>
+          <a:chExt cx="0" cy="0"/>
+        </a:xfrm>
+      </p:grpSpPr>
+      <p:sp>
+        <p:nvSpPr>
+          <p:cNvPr id="2" name="제목 1">
+            <a:extLst>
+              <a:ext uri="{FF2B5EF4-FFF2-40B4-BE49-F238E27FC236}">
+                <a16:creationId xmlns:a16="http://schemas.microsoft.com/office/drawing/2014/main" id="{CE927F61-E158-46E1-93BE-6DE50F1AAF68}"/>
+              </a:ext>
+            </a:extLst>
+          </p:cNvPr>
+          <p:cNvSpPr>
+            <a:spLocks noGrp="1"/>
+          </p:cNvSpPr>
+          <p:nvPr>
+            <p:ph type="title"/>
+          </p:nvPr>
+        </p:nvSpPr>
+        <p:spPr/>
+        <p:txBody>
+          <a:bodyPr/>
+          <a:lstStyle/>
+          <a:p>
+            <a:endParaRPr lang="ko-KR" altLang="en-US"/>
+          </a:p>
+        </p:txBody>
+      </p:sp>
+      <p:sp>
+        <p:nvSpPr>
+          <p:cNvPr id="3" name="내용 개체 틀 2">
+            <a:extLst>
+              <a:ext uri="{FF2B5EF4-FFF2-40B4-BE49-F238E27FC236}">
+                <a16:creationId xmlns:a16="http://schemas.microsoft.com/office/drawing/2014/main" id="{D6363A37-CF34-44A1-9697-18F3C4779AFD}"/>
+              </a:ext>
+            </a:extLst>
+          </p:cNvPr>
+          <p:cNvSpPr>
+            <a:spLocks noGrp="1"/>
+          </p:cNvSpPr>
+          <p:nvPr>
+            <p:ph idx="1"/>
+          </p:nvPr>
+        </p:nvSpPr>
+        <p:spPr/>
+        <p:txBody>
+          <a:bodyPr/>
+          <a:lstStyle/>
+          <a:p>
+            <a:r>
+              <a:rPr lang="en-US" altLang="ko-KR" dirty="0"/>
+              <a:t>TF program</a:t>
+            </a:r>
+          </a:p>
+          <a:p>
+            <a:pPr lvl="1"/>
+            <a:r>
+              <a:rPr lang="en-US" altLang="ko-KR" dirty="0"/>
+              <a:t>replace</a:t>
+            </a:r>
+            <a:br>
+              <a:rPr lang="en-US" altLang="ko-KR" dirty="0"/>
+            </a:br>
+            <a:br>
+              <a:rPr lang="en-US" altLang="ko-KR" dirty="0"/>
+            </a:br>
+            <a:r>
+              <a:rPr lang="en-US" altLang="ko-KR" dirty="0"/>
+              <a:t>with</a:t>
+            </a:r>
+          </a:p>
+          <a:p>
+            <a:pPr lvl="1"/>
+            <a:endParaRPr lang="ko-KR" altLang="en-US" b="1" dirty="0"/>
+          </a:p>
+        </p:txBody>
+      </p:sp>
+      <p:sp>
+        <p:nvSpPr>
+          <p:cNvPr id="4" name="슬라이드 번호 개체 틀 3">
+            <a:extLst>
+              <a:ext uri="{FF2B5EF4-FFF2-40B4-BE49-F238E27FC236}">
+                <a16:creationId xmlns:a16="http://schemas.microsoft.com/office/drawing/2014/main" id="{730DCCD4-AB31-4849-80DA-BB06B17EC219}"/>
+              </a:ext>
+            </a:extLst>
+          </p:cNvPr>
+          <p:cNvSpPr>
+            <a:spLocks noGrp="1"/>
+          </p:cNvSpPr>
+          <p:nvPr>
+            <p:ph type="sldNum" sz="quarter" idx="12"/>
+          </p:nvPr>
+        </p:nvSpPr>
+        <p:spPr/>
+        <p:txBody>
+          <a:bodyPr/>
+          <a:lstStyle/>
+          <a:p>
+            <a:fld id="{7B055449-CB9B-4507-A320-C80DFFE8427A}" type="slidenum">
+              <a:rPr lang="ko-KR" altLang="en-US" smtClean="0"/>
+              <a:t>15</a:t>
+            </a:fld>
+            <a:endParaRPr lang="ko-KR" altLang="en-US"/>
+          </a:p>
+        </p:txBody>
+      </p:sp>
+      <p:pic>
+        <p:nvPicPr>
+          <p:cNvPr id="5" name="그림 4">
+            <a:extLst>
+              <a:ext uri="{FF2B5EF4-FFF2-40B4-BE49-F238E27FC236}">
+                <a16:creationId xmlns:a16="http://schemas.microsoft.com/office/drawing/2014/main" id="{6B9D7947-B515-4212-82F0-F2FBB6A2C8DF}"/>
+              </a:ext>
+            </a:extLst>
+          </p:cNvPr>
+          <p:cNvPicPr>
+            <a:picLocks noChangeAspect="1"/>
+          </p:cNvPicPr>
+          <p:nvPr/>
+        </p:nvPicPr>
+        <p:blipFill>
+          <a:blip r:embed="rId2"/>
+          <a:stretch>
+            <a:fillRect/>
+          </a:stretch>
+        </p:blipFill>
+        <p:spPr>
+          <a:xfrm>
+            <a:off x="2171700" y="2672771"/>
+            <a:ext cx="3924300" cy="342900"/>
+          </a:xfrm>
+          <a:prstGeom prst="rect">
+            <a:avLst/>
+          </a:prstGeom>
+        </p:spPr>
+      </p:pic>
+      <p:pic>
+        <p:nvPicPr>
+          <p:cNvPr id="6" name="그림 5">
+            <a:extLst>
+              <a:ext uri="{FF2B5EF4-FFF2-40B4-BE49-F238E27FC236}">
+                <a16:creationId xmlns:a16="http://schemas.microsoft.com/office/drawing/2014/main" id="{9991A0A5-4028-4335-8556-61F78F076136}"/>
+              </a:ext>
+            </a:extLst>
+          </p:cNvPr>
+          <p:cNvPicPr>
+            <a:picLocks noChangeAspect="1"/>
+          </p:cNvPicPr>
+          <p:nvPr/>
+        </p:nvPicPr>
+        <p:blipFill>
+          <a:blip r:embed="rId3"/>
+          <a:stretch>
+            <a:fillRect/>
+          </a:stretch>
+        </p:blipFill>
+        <p:spPr>
+          <a:xfrm>
+            <a:off x="2258523" y="3391450"/>
+            <a:ext cx="3419475" cy="323850"/>
+          </a:xfrm>
+          <a:prstGeom prst="rect">
+            <a:avLst/>
+          </a:prstGeom>
+        </p:spPr>
+      </p:pic>
+    </p:spTree>
+    <p:extLst>
+      <p:ext uri="{BB962C8B-B14F-4D97-AF65-F5344CB8AC3E}">
+        <p14:creationId xmlns:p14="http://schemas.microsoft.com/office/powerpoint/2010/main" val="3614956575"/>
       </p:ext>
     </p:extLst>
   </p:cSld>
@@ -6726,8 +8909,8 @@
           </a:p>
         </p:txBody>
       </p:sp>
-      <mc:AlternateContent xmlns:mc="http://schemas.openxmlformats.org/markup-compatibility/2006">
-        <mc:Choice xmlns:a14="http://schemas.microsoft.com/office/drawing/2010/main" Requires="a14">
+      <mc:AlternateContent xmlns:mc="http://schemas.openxmlformats.org/markup-compatibility/2006" xmlns:a14="http://schemas.microsoft.com/office/drawing/2010/main">
+        <mc:Choice Requires="a14">
           <p:sp>
             <p:nvSpPr>
               <p:cNvPr id="3" name="내용 개체 틀 2">
@@ -6891,7 +9074,7 @@
             </p:txBody>
           </p:sp>
         </mc:Choice>
-        <mc:Fallback>
+        <mc:Fallback xmlns="">
           <p:sp>
             <p:nvSpPr>
               <p:cNvPr id="3" name="내용 개체 틀 2">
@@ -8210,8 +10393,8 @@
             </p:sp>
           </mc:Fallback>
         </mc:AlternateContent>
-        <mc:AlternateContent xmlns:mc="http://schemas.openxmlformats.org/markup-compatibility/2006">
-          <mc:Choice xmlns:a14="http://schemas.microsoft.com/office/drawing/2010/main" Requires="a14">
+        <mc:AlternateContent xmlns:mc="http://schemas.openxmlformats.org/markup-compatibility/2006" xmlns:a14="http://schemas.microsoft.com/office/drawing/2010/main">
+          <mc:Choice Requires="a14">
             <p:sp>
               <p:nvSpPr>
                 <p:cNvPr id="35" name="TextBox 34">
@@ -8277,7 +10460,7 @@
               </p:txBody>
             </p:sp>
           </mc:Choice>
-          <mc:Fallback>
+          <mc:Fallback xmlns="">
             <p:sp>
               <p:nvSpPr>
                 <p:cNvPr id="35" name="TextBox 34">

--- a/IDL/Ch04/IDL_Ch04.pptx
+++ b/IDL/Ch04/IDL_Ch04.pptx
@@ -4019,8 +4019,8 @@
           </a:p>
         </p:txBody>
       </p:sp>
-      <mc:AlternateContent xmlns:mc="http://schemas.openxmlformats.org/markup-compatibility/2006" xmlns:a14="http://schemas.microsoft.com/office/drawing/2010/main">
-        <mc:Choice Requires="a14">
+      <mc:AlternateContent xmlns:mc="http://schemas.openxmlformats.org/markup-compatibility/2006">
+        <mc:Choice xmlns:a14="http://schemas.microsoft.com/office/drawing/2010/main" Requires="a14">
           <p:sp>
             <p:nvSpPr>
               <p:cNvPr id="7" name="TextBox 6">
@@ -4036,7 +4036,7 @@
             <p:spPr>
               <a:xfrm>
                 <a:off x="6690946" y="2921168"/>
-                <a:ext cx="3416256" cy="2246769"/>
+                <a:ext cx="3316805" cy="2246769"/>
               </a:xfrm>
               <a:prstGeom prst="rect">
                 <a:avLst/>
@@ -4141,6 +4141,12 @@
                           </m:ctrlPr>
                         </m:dPr>
                         <m:e>
+                          <m:r>
+                            <a:rPr lang="en-US" altLang="ko-KR" sz="2000" b="0" i="1" smtClean="0">
+                              <a:latin typeface="Cambria Math" panose="02040503050406030204" pitchFamily="18" charset="0"/>
+                            </a:rPr>
+                            <m:t>(</m:t>
+                          </m:r>
                           <m:sSub>
                             <m:sSubPr>
                               <m:ctrlPr>
@@ -4203,64 +4209,70 @@
                               </m:r>
                             </m:sub>
                           </m:sSub>
-                        </m:e>
-                      </m:d>
-                      <m:sSub>
-                        <m:sSubPr>
-                          <m:ctrlPr>
-                            <a:rPr lang="en-US" altLang="ko-KR" sz="2000" b="0" i="1" smtClean="0">
-                              <a:latin typeface="Cambria Math" panose="02040503050406030204" pitchFamily="18" charset="0"/>
-                            </a:rPr>
-                          </m:ctrlPr>
-                        </m:sSubPr>
-                        <m:e>
                           <m:r>
                             <a:rPr lang="en-US" altLang="ko-KR" sz="2000" b="0" i="1" smtClean="0">
                               <a:latin typeface="Cambria Math" panose="02040503050406030204" pitchFamily="18" charset="0"/>
                             </a:rPr>
-                            <m:t>𝑊</m:t>
+                            <m:t>)</m:t>
                           </m:r>
-                        </m:e>
-                        <m:sub>
+                          <m:sSub>
+                            <m:sSubPr>
+                              <m:ctrlPr>
+                                <a:rPr lang="en-US" altLang="ko-KR" sz="2000" i="1">
+                                  <a:latin typeface="Cambria Math" panose="02040503050406030204" pitchFamily="18" charset="0"/>
+                                </a:rPr>
+                              </m:ctrlPr>
+                            </m:sSubPr>
+                            <m:e>
+                              <m:r>
+                                <a:rPr lang="en-US" altLang="ko-KR" sz="2000" i="1">
+                                  <a:latin typeface="Cambria Math" panose="02040503050406030204" pitchFamily="18" charset="0"/>
+                                </a:rPr>
+                                <m:t>𝑊</m:t>
+                              </m:r>
+                            </m:e>
+                            <m:sub>
+                              <m:r>
+                                <a:rPr lang="en-US" altLang="ko-KR" sz="2000" i="1">
+                                  <a:latin typeface="Cambria Math" panose="02040503050406030204" pitchFamily="18" charset="0"/>
+                                </a:rPr>
+                                <m:t>𝑟</m:t>
+                              </m:r>
+                            </m:sub>
+                          </m:sSub>
                           <m:r>
-                            <a:rPr lang="en-US" altLang="ko-KR" sz="2000" b="0" i="1" smtClean="0">
+                            <a:rPr lang="en-US" altLang="ko-KR" sz="2000" i="1">
                               <a:latin typeface="Cambria Math" panose="02040503050406030204" pitchFamily="18" charset="0"/>
                             </a:rPr>
-                            <m:t>𝑟</m:t>
+                            <m:t>+</m:t>
                           </m:r>
-                        </m:sub>
-                      </m:sSub>
-                      <m:r>
-                        <a:rPr lang="en-US" altLang="ko-KR" sz="2000" b="0" i="1" smtClean="0">
-                          <a:latin typeface="Cambria Math" panose="02040503050406030204" pitchFamily="18" charset="0"/>
-                        </a:rPr>
-                        <m:t>+</m:t>
-                      </m:r>
-                      <m:sSub>
-                        <m:sSubPr>
-                          <m:ctrlPr>
-                            <a:rPr lang="en-US" altLang="ko-KR" sz="2000" b="0" i="1" smtClean="0">
-                              <a:latin typeface="Cambria Math" panose="02040503050406030204" pitchFamily="18" charset="0"/>
-                            </a:rPr>
-                          </m:ctrlPr>
-                        </m:sSubPr>
-                        <m:e>
-                          <m:r>
-                            <a:rPr lang="en-US" altLang="ko-KR" sz="2000" b="0" i="1" smtClean="0">
-                              <a:latin typeface="Cambria Math" panose="02040503050406030204" pitchFamily="18" charset="0"/>
-                            </a:rPr>
-                            <m:t>𝑏</m:t>
-                          </m:r>
+                          <m:sSub>
+                            <m:sSubPr>
+                              <m:ctrlPr>
+                                <a:rPr lang="en-US" altLang="ko-KR" sz="2000" i="1">
+                                  <a:latin typeface="Cambria Math" panose="02040503050406030204" pitchFamily="18" charset="0"/>
+                                </a:rPr>
+                              </m:ctrlPr>
+                            </m:sSubPr>
+                            <m:e>
+                              <m:r>
+                                <a:rPr lang="en-US" altLang="ko-KR" sz="2000" i="1">
+                                  <a:latin typeface="Cambria Math" panose="02040503050406030204" pitchFamily="18" charset="0"/>
+                                </a:rPr>
+                                <m:t>𝑏</m:t>
+                              </m:r>
+                            </m:e>
+                            <m:sub>
+                              <m:r>
+                                <a:rPr lang="en-US" altLang="ko-KR" sz="2000" i="1">
+                                  <a:latin typeface="Cambria Math" panose="02040503050406030204" pitchFamily="18" charset="0"/>
+                                </a:rPr>
+                                <m:t>𝑟</m:t>
+                              </m:r>
+                            </m:sub>
+                          </m:sSub>
                         </m:e>
-                        <m:sub>
-                          <m:r>
-                            <a:rPr lang="en-US" altLang="ko-KR" sz="2000" b="0" i="1" smtClean="0">
-                              <a:latin typeface="Cambria Math" panose="02040503050406030204" pitchFamily="18" charset="0"/>
-                            </a:rPr>
-                            <m:t>𝑟</m:t>
-                          </m:r>
-                        </m:sub>
-                      </m:sSub>
+                      </m:d>
                     </m:oMath>
                     <m:oMath xmlns:m="http://schemas.openxmlformats.org/officeDocument/2006/math">
                       <m:r>
@@ -4452,7 +4464,7 @@
             </p:txBody>
           </p:sp>
         </mc:Choice>
-        <mc:Fallback xmlns="">
+        <mc:Fallback>
           <p:sp>
             <p:nvSpPr>
               <p:cNvPr id="7" name="TextBox 6">
@@ -4470,7 +4482,7 @@
             <p:spPr>
               <a:xfrm>
                 <a:off x="6690946" y="2921168"/>
-                <a:ext cx="3416256" cy="2246769"/>
+                <a:ext cx="3316805" cy="2246769"/>
               </a:xfrm>
               <a:prstGeom prst="rect">
                 <a:avLst/>
@@ -5573,8 +5585,8 @@
           </a:prstGeom>
         </p:spPr>
       </p:pic>
-      <mc:AlternateContent xmlns:mc="http://schemas.openxmlformats.org/markup-compatibility/2006">
-        <mc:Choice xmlns:a14="http://schemas.microsoft.com/office/drawing/2010/main" Requires="a14">
+      <mc:AlternateContent xmlns:mc="http://schemas.openxmlformats.org/markup-compatibility/2006" xmlns:a14="http://schemas.microsoft.com/office/drawing/2010/main">
+        <mc:Choice Requires="a14">
           <p:sp>
             <p:nvSpPr>
               <p:cNvPr id="6" name="TextBox 5">
@@ -5633,7 +5645,7 @@
             </p:txBody>
           </p:sp>
         </mc:Choice>
-        <mc:Fallback>
+        <mc:Fallback xmlns="">
           <p:sp>
             <p:nvSpPr>
               <p:cNvPr id="6" name="TextBox 5">
